--- a/Conti_Research_Poster.pptx
+++ b/Conti_Research_Poster.pptx
@@ -679,6 +679,7 @@
   <c:externalData r:id="rId3">
     <c:autoUpdate val="0"/>
   </c:externalData>
+  <c:userShapes r:id="rId4"/>
 </c:chartSpace>
 </file>
 
@@ -1225,6 +1226,149 @@
 </cs:chartStyle>
 </file>
 
+<file path=ppt/drawings/drawing1.xml><?xml version="1.0" encoding="utf-8"?>
+<c:userShapes xmlns:c="http://schemas.openxmlformats.org/drawingml/2006/chart">
+  <cdr:relSizeAnchor xmlns:cdr="http://schemas.openxmlformats.org/drawingml/2006/chartDrawing">
+    <cdr:from>
+      <cdr:x>0.74188</cdr:x>
+      <cdr:y>0.23023</cdr:y>
+    </cdr:from>
+    <cdr:to>
+      <cdr:x>0.7994</cdr:x>
+      <cdr:y>0.3572</cdr:y>
+    </cdr:to>
+    <cdr:sp macro="" textlink="">
+      <cdr:nvSpPr>
+        <cdr:cNvPr id="3" name="TextBox 22">
+          <a:extLst xmlns:a="http://schemas.openxmlformats.org/drawingml/2006/main">
+            <a:ext uri="{FF2B5EF4-FFF2-40B4-BE49-F238E27FC236}">
+              <a16:creationId xmlns:a16="http://schemas.microsoft.com/office/drawing/2014/main" id="{742613DA-D14A-E13F-EAEF-51D342FF198A}"/>
+            </a:ext>
+          </a:extLst>
+        </cdr:cNvPr>
+        <cdr:cNvSpPr txBox="1"/>
+      </cdr:nvSpPr>
+      <cdr:spPr>
+        <a:xfrm xmlns:a="http://schemas.openxmlformats.org/drawingml/2006/main">
+          <a:off x="7910846" y="1060337"/>
+          <a:ext cx="613354" cy="584775"/>
+        </a:xfrm>
+        <a:prstGeom xmlns:a="http://schemas.openxmlformats.org/drawingml/2006/main" prst="rect">
+          <a:avLst/>
+        </a:prstGeom>
+        <a:noFill xmlns:a="http://schemas.openxmlformats.org/drawingml/2006/main"/>
+      </cdr:spPr>
+      <cdr:txBody>
+        <a:bodyPr xmlns:a="http://schemas.openxmlformats.org/drawingml/2006/main" wrap="square" rtlCol="0">
+          <a:spAutoFit/>
+        </a:bodyPr>
+        <a:lstStyle xmlns:a="http://schemas.openxmlformats.org/drawingml/2006/main">
+          <a:defPPr>
+            <a:defRPr lang="en-US"/>
+          </a:defPPr>
+          <a:lvl1pPr marL="0" algn="l" defTabSz="1567510" rtl="0" eaLnBrk="1" latinLnBrk="0" hangingPunct="1">
+            <a:defRPr sz="6200" kern="1200">
+              <a:solidFill>
+                <a:schemeClr val="tx1"/>
+              </a:solidFill>
+              <a:latin typeface="+mn-lt"/>
+              <a:ea typeface="+mn-ea"/>
+              <a:cs typeface="+mn-cs"/>
+            </a:defRPr>
+          </a:lvl1pPr>
+          <a:lvl2pPr marL="1567510" algn="l" defTabSz="1567510" rtl="0" eaLnBrk="1" latinLnBrk="0" hangingPunct="1">
+            <a:defRPr sz="6200" kern="1200">
+              <a:solidFill>
+                <a:schemeClr val="tx1"/>
+              </a:solidFill>
+              <a:latin typeface="+mn-lt"/>
+              <a:ea typeface="+mn-ea"/>
+              <a:cs typeface="+mn-cs"/>
+            </a:defRPr>
+          </a:lvl2pPr>
+          <a:lvl3pPr marL="3135020" algn="l" defTabSz="1567510" rtl="0" eaLnBrk="1" latinLnBrk="0" hangingPunct="1">
+            <a:defRPr sz="6200" kern="1200">
+              <a:solidFill>
+                <a:schemeClr val="tx1"/>
+              </a:solidFill>
+              <a:latin typeface="+mn-lt"/>
+              <a:ea typeface="+mn-ea"/>
+              <a:cs typeface="+mn-cs"/>
+            </a:defRPr>
+          </a:lvl3pPr>
+          <a:lvl4pPr marL="4702531" algn="l" defTabSz="1567510" rtl="0" eaLnBrk="1" latinLnBrk="0" hangingPunct="1">
+            <a:defRPr sz="6200" kern="1200">
+              <a:solidFill>
+                <a:schemeClr val="tx1"/>
+              </a:solidFill>
+              <a:latin typeface="+mn-lt"/>
+              <a:ea typeface="+mn-ea"/>
+              <a:cs typeface="+mn-cs"/>
+            </a:defRPr>
+          </a:lvl4pPr>
+          <a:lvl5pPr marL="6270041" algn="l" defTabSz="1567510" rtl="0" eaLnBrk="1" latinLnBrk="0" hangingPunct="1">
+            <a:defRPr sz="6200" kern="1200">
+              <a:solidFill>
+                <a:schemeClr val="tx1"/>
+              </a:solidFill>
+              <a:latin typeface="+mn-lt"/>
+              <a:ea typeface="+mn-ea"/>
+              <a:cs typeface="+mn-cs"/>
+            </a:defRPr>
+          </a:lvl5pPr>
+          <a:lvl6pPr marL="7837551" algn="l" defTabSz="1567510" rtl="0" eaLnBrk="1" latinLnBrk="0" hangingPunct="1">
+            <a:defRPr sz="6200" kern="1200">
+              <a:solidFill>
+                <a:schemeClr val="tx1"/>
+              </a:solidFill>
+              <a:latin typeface="+mn-lt"/>
+              <a:ea typeface="+mn-ea"/>
+              <a:cs typeface="+mn-cs"/>
+            </a:defRPr>
+          </a:lvl6pPr>
+          <a:lvl7pPr marL="9405061" algn="l" defTabSz="1567510" rtl="0" eaLnBrk="1" latinLnBrk="0" hangingPunct="1">
+            <a:defRPr sz="6200" kern="1200">
+              <a:solidFill>
+                <a:schemeClr val="tx1"/>
+              </a:solidFill>
+              <a:latin typeface="+mn-lt"/>
+              <a:ea typeface="+mn-ea"/>
+              <a:cs typeface="+mn-cs"/>
+            </a:defRPr>
+          </a:lvl7pPr>
+          <a:lvl8pPr marL="10972571" algn="l" defTabSz="1567510" rtl="0" eaLnBrk="1" latinLnBrk="0" hangingPunct="1">
+            <a:defRPr sz="6200" kern="1200">
+              <a:solidFill>
+                <a:schemeClr val="tx1"/>
+              </a:solidFill>
+              <a:latin typeface="+mn-lt"/>
+              <a:ea typeface="+mn-ea"/>
+              <a:cs typeface="+mn-cs"/>
+            </a:defRPr>
+          </a:lvl8pPr>
+          <a:lvl9pPr marL="12540082" algn="l" defTabSz="1567510" rtl="0" eaLnBrk="1" latinLnBrk="0" hangingPunct="1">
+            <a:defRPr sz="6200" kern="1200">
+              <a:solidFill>
+                <a:schemeClr val="tx1"/>
+              </a:solidFill>
+              <a:latin typeface="+mn-lt"/>
+              <a:ea typeface="+mn-ea"/>
+              <a:cs typeface="+mn-cs"/>
+            </a:defRPr>
+          </a:lvl9pPr>
+        </a:lstStyle>
+        <a:p xmlns:a="http://schemas.openxmlformats.org/drawingml/2006/main">
+          <a:r>
+            <a:rPr lang="en-US" sz="3200" dirty="0"/>
+            <a:t>**</a:t>
+          </a:r>
+        </a:p>
+      </cdr:txBody>
+    </cdr:sp>
+  </cdr:relSizeAnchor>
+</c:userShapes>
+</file>
+
 <file path=ppt/notesMasters/notesMaster1.xml><?xml version="1.0" encoding="utf-8"?>
 <p:notesMaster xmlns:a="http://schemas.openxmlformats.org/drawingml/2006/main" xmlns:r="http://schemas.openxmlformats.org/officeDocument/2006/relationships" xmlns:p="http://schemas.openxmlformats.org/presentationml/2006/main">
   <p:cSld>
@@ -1307,7 +1451,7 @@
           <a:p>
             <a:fld id="{3150FDD1-E802-4B61-BB15-40BE78DAD272}" type="datetimeFigureOut">
               <a:rPr lang="en-US" smtClean="0"/>
-              <a:t>12/4/22</a:t>
+              <a:t>12/5/22</a:t>
             </a:fld>
             <a:endParaRPr lang="en-US" dirty="0"/>
           </a:p>
@@ -1837,7 +1981,7 @@
           <a:p>
             <a:fld id="{E350CF23-4F62-8046-AF6A-DE4F04AD794B}" type="datetimeFigureOut">
               <a:rPr lang="en-US" smtClean="0"/>
-              <a:t>12/4/22</a:t>
+              <a:t>12/5/22</a:t>
             </a:fld>
             <a:endParaRPr lang="en-US" dirty="0"/>
           </a:p>
@@ -2005,7 +2149,7 @@
           <a:p>
             <a:fld id="{E350CF23-4F62-8046-AF6A-DE4F04AD794B}" type="datetimeFigureOut">
               <a:rPr lang="en-US" smtClean="0"/>
-              <a:t>12/4/22</a:t>
+              <a:t>12/5/22</a:t>
             </a:fld>
             <a:endParaRPr lang="en-US" dirty="0"/>
           </a:p>
@@ -2183,7 +2327,7 @@
           <a:p>
             <a:fld id="{E350CF23-4F62-8046-AF6A-DE4F04AD794B}" type="datetimeFigureOut">
               <a:rPr lang="en-US" smtClean="0"/>
-              <a:t>12/4/22</a:t>
+              <a:t>12/5/22</a:t>
             </a:fld>
             <a:endParaRPr lang="en-US" dirty="0"/>
           </a:p>
@@ -2351,7 +2495,7 @@
           <a:p>
             <a:fld id="{E350CF23-4F62-8046-AF6A-DE4F04AD794B}" type="datetimeFigureOut">
               <a:rPr lang="en-US" smtClean="0"/>
-              <a:t>12/4/22</a:t>
+              <a:t>12/5/22</a:t>
             </a:fld>
             <a:endParaRPr lang="en-US" dirty="0"/>
           </a:p>
@@ -2596,7 +2740,7 @@
           <a:p>
             <a:fld id="{E350CF23-4F62-8046-AF6A-DE4F04AD794B}" type="datetimeFigureOut">
               <a:rPr lang="en-US" smtClean="0"/>
-              <a:t>12/4/22</a:t>
+              <a:t>12/5/22</a:t>
             </a:fld>
             <a:endParaRPr lang="en-US" dirty="0"/>
           </a:p>
@@ -2881,7 +3025,7 @@
           <a:p>
             <a:fld id="{E350CF23-4F62-8046-AF6A-DE4F04AD794B}" type="datetimeFigureOut">
               <a:rPr lang="en-US" smtClean="0"/>
-              <a:t>12/4/22</a:t>
+              <a:t>12/5/22</a:t>
             </a:fld>
             <a:endParaRPr lang="en-US" dirty="0"/>
           </a:p>
@@ -3305,7 +3449,7 @@
           <a:p>
             <a:fld id="{E350CF23-4F62-8046-AF6A-DE4F04AD794B}" type="datetimeFigureOut">
               <a:rPr lang="en-US" smtClean="0"/>
-              <a:t>12/4/22</a:t>
+              <a:t>12/5/22</a:t>
             </a:fld>
             <a:endParaRPr lang="en-US" dirty="0"/>
           </a:p>
@@ -3422,7 +3566,7 @@
           <a:p>
             <a:fld id="{E350CF23-4F62-8046-AF6A-DE4F04AD794B}" type="datetimeFigureOut">
               <a:rPr lang="en-US" smtClean="0"/>
-              <a:t>12/4/22</a:t>
+              <a:t>12/5/22</a:t>
             </a:fld>
             <a:endParaRPr lang="en-US" dirty="0"/>
           </a:p>
@@ -3517,7 +3661,7 @@
           <a:p>
             <a:fld id="{E350CF23-4F62-8046-AF6A-DE4F04AD794B}" type="datetimeFigureOut">
               <a:rPr lang="en-US" smtClean="0"/>
-              <a:t>12/4/22</a:t>
+              <a:t>12/5/22</a:t>
             </a:fld>
             <a:endParaRPr lang="en-US" dirty="0"/>
           </a:p>
@@ -3792,7 +3936,7 @@
           <a:p>
             <a:fld id="{E350CF23-4F62-8046-AF6A-DE4F04AD794B}" type="datetimeFigureOut">
               <a:rPr lang="en-US" smtClean="0"/>
-              <a:t>12/4/22</a:t>
+              <a:t>12/5/22</a:t>
             </a:fld>
             <a:endParaRPr lang="en-US" dirty="0"/>
           </a:p>
@@ -4044,7 +4188,7 @@
           <a:p>
             <a:fld id="{E350CF23-4F62-8046-AF6A-DE4F04AD794B}" type="datetimeFigureOut">
               <a:rPr lang="en-US" smtClean="0"/>
-              <a:t>12/4/22</a:t>
+              <a:t>12/5/22</a:t>
             </a:fld>
             <a:endParaRPr lang="en-US" dirty="0"/>
           </a:p>
@@ -4255,7 +4399,7 @@
           <a:p>
             <a:fld id="{E350CF23-4F62-8046-AF6A-DE4F04AD794B}" type="datetimeFigureOut">
               <a:rPr lang="en-US" smtClean="0"/>
-              <a:t>12/4/22</a:t>
+              <a:t>12/5/22</a:t>
             </a:fld>
             <a:endParaRPr lang="en-US" dirty="0"/>
           </a:p>
@@ -4632,76 +4776,6 @@
       </p:grpSpPr>
       <p:sp>
         <p:nvSpPr>
-          <p:cNvPr id="33" name="TextBox 32">
-            <a:extLst>
-              <a:ext uri="{FF2B5EF4-FFF2-40B4-BE49-F238E27FC236}">
-                <a16:creationId xmlns:a16="http://schemas.microsoft.com/office/drawing/2014/main" id="{77E16B90-7BFB-0723-2AC9-6AE69415F26B}"/>
-              </a:ext>
-            </a:extLst>
-          </p:cNvPr>
-          <p:cNvSpPr txBox="1"/>
-          <p:nvPr/>
-        </p:nvSpPr>
-        <p:spPr>
-          <a:xfrm>
-            <a:off x="11495314" y="18765692"/>
-            <a:ext cx="16557170" cy="461665"/>
-          </a:xfrm>
-          <a:prstGeom prst="rect">
-            <a:avLst/>
-          </a:prstGeom>
-          <a:noFill/>
-        </p:spPr>
-        <p:txBody>
-          <a:bodyPr wrap="square">
-            <a:spAutoFit/>
-          </a:bodyPr>
-          <a:lstStyle/>
-          <a:p>
-            <a:r>
-              <a:rPr lang="en-US" sz="2400" dirty="0"/>
-              <a:t>Degree centrality</a:t>
-            </a:r>
-          </a:p>
-        </p:txBody>
-      </p:sp>
-      <p:sp>
-        <p:nvSpPr>
-          <p:cNvPr id="27" name="TextBox 26">
-            <a:extLst>
-              <a:ext uri="{FF2B5EF4-FFF2-40B4-BE49-F238E27FC236}">
-                <a16:creationId xmlns:a16="http://schemas.microsoft.com/office/drawing/2014/main" id="{FC70E2D9-E2E4-5774-643C-7553548F3976}"/>
-              </a:ext>
-            </a:extLst>
-          </p:cNvPr>
-          <p:cNvSpPr txBox="1"/>
-          <p:nvPr/>
-        </p:nvSpPr>
-        <p:spPr>
-          <a:xfrm>
-            <a:off x="11525499" y="18157953"/>
-            <a:ext cx="16557170" cy="461665"/>
-          </a:xfrm>
-          <a:prstGeom prst="rect">
-            <a:avLst/>
-          </a:prstGeom>
-          <a:noFill/>
-        </p:spPr>
-        <p:txBody>
-          <a:bodyPr wrap="square">
-            <a:spAutoFit/>
-          </a:bodyPr>
-          <a:lstStyle/>
-          <a:p>
-            <a:r>
-              <a:rPr lang="en-US" sz="2400" dirty="0"/>
-              <a:t>Betweenness centrality</a:t>
-            </a:r>
-          </a:p>
-        </p:txBody>
-      </p:sp>
-      <p:sp>
-        <p:nvSpPr>
           <p:cNvPr id="22" name="Rectangle 21"/>
           <p:cNvSpPr/>
           <p:nvPr/>
@@ -4756,8 +4830,8 @@
         </p:nvSpPr>
         <p:spPr>
           <a:xfrm>
-            <a:off x="2460062" y="693903"/>
-            <a:ext cx="27052305" cy="954107"/>
+            <a:off x="2460062" y="472977"/>
+            <a:ext cx="29239134" cy="954107"/>
           </a:xfrm>
           <a:prstGeom prst="rect">
             <a:avLst/>
@@ -4772,7 +4846,7 @@
           <a:p>
             <a:r>
               <a:rPr lang="en-US" sz="5600" b="1" dirty="0"/>
-              <a:t>Undercovering the organizational ecosystem of cybercriminal group Conti</a:t>
+              <a:t>Uncovering the Organizational Hierarchy of a Cybercriminal Group: Story of a Ransomware Gang</a:t>
             </a:r>
             <a:endParaRPr lang="en-US" sz="5600" dirty="0"/>
           </a:p>
@@ -4822,7 +4896,7 @@
         <p:spPr>
           <a:xfrm>
             <a:off x="2460062" y="1644295"/>
-            <a:ext cx="23086137" cy="646331"/>
+            <a:ext cx="30198150" cy="646331"/>
           </a:xfrm>
           <a:prstGeom prst="rect">
             <a:avLst/>
@@ -4837,7 +4911,15 @@
           <a:p>
             <a:r>
               <a:rPr lang="en-US" sz="3600" b="1" dirty="0"/>
-              <a:t>Nadia Sabry and </a:t>
+              <a:t>Nadia Sabry , </a:t>
+            </a:r>
+            <a:r>
+              <a:rPr lang="en-US" sz="3600" dirty="0" err="1"/>
+              <a:t>Luddy</a:t>
+            </a:r>
+            <a:r>
+              <a:rPr lang="en-US" sz="3600" dirty="0"/>
+              <a:t> School of Informatics, Computing, and Engineering, Indiana University					      Mentored by: </a:t>
             </a:r>
             <a:r>
               <a:rPr lang="en-US" sz="3600" b="1" dirty="0" err="1"/>
@@ -4851,102 +4933,7 @@
               <a:rPr lang="en-US" sz="3600" b="1" dirty="0" err="1"/>
               <a:t>Manatova</a:t>
             </a:r>
-            <a:r>
-              <a:rPr lang="en-US" sz="3600" b="1" dirty="0"/>
-              <a:t>, </a:t>
-            </a:r>
-            <a:r>
-              <a:rPr lang="en-US" sz="3600" dirty="0"/>
-              <a:t>School of Informatics and Computing, Indiana University</a:t>
-            </a:r>
-          </a:p>
-        </p:txBody>
-      </p:sp>
-      <p:sp>
-        <p:nvSpPr>
-          <p:cNvPr id="17" name="TextBox 16"/>
-          <p:cNvSpPr txBox="1"/>
-          <p:nvPr/>
-        </p:nvSpPr>
-        <p:spPr>
-          <a:xfrm>
-            <a:off x="21945617" y="3633286"/>
-            <a:ext cx="5128709" cy="1692771"/>
-          </a:xfrm>
-          <a:prstGeom prst="rect">
-            <a:avLst/>
-          </a:prstGeom>
-          <a:noFill/>
-          <a:ln>
-            <a:solidFill>
-              <a:srgbClr val="800000"/>
-            </a:solidFill>
-            <a:prstDash val="dot"/>
-          </a:ln>
-        </p:spPr>
-        <p:txBody>
-          <a:bodyPr wrap="square" rtlCol="0">
-            <a:spAutoFit/>
-          </a:bodyPr>
-          <a:lstStyle/>
-          <a:p>
-            <a:pPr algn="just"/>
-            <a:r>
-              <a:rPr lang="en-US" sz="2600" i="1" dirty="0"/>
-              <a:t>Hierarchical representation of the social network. Top node is stern, our CEO. Other notable users are defender, mango, </a:t>
-            </a:r>
-            <a:r>
-              <a:rPr lang="en-US" sz="2600" i="1" dirty="0" err="1"/>
-              <a:t>buza</a:t>
-            </a:r>
-            <a:r>
-              <a:rPr lang="en-US" sz="2600" i="1" dirty="0"/>
-              <a:t>, and </a:t>
-            </a:r>
-            <a:r>
-              <a:rPr lang="en-US" sz="2600" i="1" dirty="0" err="1"/>
-              <a:t>bentley</a:t>
-            </a:r>
-            <a:r>
-              <a:rPr lang="en-US" sz="2600" i="1" dirty="0"/>
-              <a:t>. </a:t>
-            </a:r>
-          </a:p>
-        </p:txBody>
-      </p:sp>
-      <p:sp>
-        <p:nvSpPr>
-          <p:cNvPr id="29" name="TextBox 28"/>
-          <p:cNvSpPr txBox="1"/>
-          <p:nvPr/>
-        </p:nvSpPr>
-        <p:spPr>
-          <a:xfrm>
-            <a:off x="21982866" y="12029261"/>
-            <a:ext cx="10663268" cy="892552"/>
-          </a:xfrm>
-          <a:prstGeom prst="rect">
-            <a:avLst/>
-          </a:prstGeom>
-          <a:noFill/>
-          <a:ln>
-            <a:solidFill>
-              <a:srgbClr val="800000"/>
-            </a:solidFill>
-            <a:prstDash val="dot"/>
-          </a:ln>
-        </p:spPr>
-        <p:txBody>
-          <a:bodyPr wrap="square" rtlCol="0">
-            <a:spAutoFit/>
-          </a:bodyPr>
-          <a:lstStyle/>
-          <a:p>
-            <a:pPr algn="just"/>
-            <a:r>
-              <a:rPr lang="en-US" sz="2600" i="1" dirty="0"/>
-              <a:t>Top fifteen users, ranked by social score. Attributes that contribute to social score are displayed as well. </a:t>
-            </a:r>
+            <a:endParaRPr lang="en-US" sz="3600" dirty="0"/>
           </a:p>
         </p:txBody>
       </p:sp>
@@ -4986,7 +4973,7 @@
                   <a:schemeClr val="bg1"/>
                 </a:solidFill>
               </a:rPr>
-              <a:t>1. Motivation</a:t>
+              <a:t>1. What/Who is Conti?</a:t>
             </a:r>
           </a:p>
         </p:txBody>
@@ -4999,7 +4986,7 @@
         </p:nvSpPr>
         <p:spPr>
           <a:xfrm>
-            <a:off x="-42464" y="18201793"/>
+            <a:off x="71596" y="17069139"/>
             <a:ext cx="10853574" cy="707886"/>
           </a:xfrm>
           <a:prstGeom prst="rect">
@@ -5022,7 +5009,7 @@
                   <a:schemeClr val="bg1"/>
                 </a:solidFill>
               </a:rPr>
-              <a:t>2. Challenges</a:t>
+              <a:t>3. Challenges</a:t>
             </a:r>
           </a:p>
         </p:txBody>
@@ -5058,7 +5045,7 @@
                   <a:schemeClr val="bg1"/>
                 </a:solidFill>
               </a:rPr>
-              <a:t>3. Interaction Modeling</a:t>
+              <a:t>4. Interaction Modeling</a:t>
             </a:r>
           </a:p>
         </p:txBody>
@@ -5168,7 +5155,7 @@
                   <a:schemeClr val="bg1"/>
                 </a:solidFill>
               </a:rPr>
-              <a:t>4. Analysis</a:t>
+              <a:t>5. Analysis</a:t>
             </a:r>
           </a:p>
         </p:txBody>
@@ -5217,7 +5204,7 @@
         </p:nvSpPr>
         <p:spPr>
           <a:xfrm>
-            <a:off x="21958318" y="19129832"/>
+            <a:off x="21871334" y="19086746"/>
             <a:ext cx="10807169" cy="1754326"/>
           </a:xfrm>
           <a:prstGeom prst="rect">
@@ -5344,8 +5331,8 @@
         </p:nvSpPr>
         <p:spPr>
           <a:xfrm>
-            <a:off x="10985387" y="10389999"/>
-            <a:ext cx="10498265" cy="7294305"/>
+            <a:off x="11001438" y="14268823"/>
+            <a:ext cx="10498265" cy="3416320"/>
           </a:xfrm>
           <a:prstGeom prst="rect">
             <a:avLst/>
@@ -5364,7 +5351,7 @@
             </a:pPr>
             <a:r>
               <a:rPr lang="en-US" sz="3600" dirty="0"/>
-              <a:t>Each user is represented by a node</a:t>
+              <a:t>50% of users have a lifespan less than 6 months. 25% have less than 30 days. This indicates a high turnover for the group.</a:t>
             </a:r>
           </a:p>
           <a:p>
@@ -5374,70 +5361,16 @@
             </a:pPr>
             <a:r>
               <a:rPr lang="en-US" sz="3600" dirty="0"/>
-              <a:t>Edges represent the  interaction between two users</a:t>
-            </a:r>
-          </a:p>
-          <a:p>
-            <a:pPr marL="458788" indent="-458788">
-              <a:buFont typeface="Wingdings" charset="2"/>
-              <a:buChar char="§"/>
-            </a:pPr>
+              <a:t>Mapping the organization’s hierarchy is based on previous research [1], where we calculate a </a:t>
+            </a:r>
+            <a:r>
+              <a:rPr lang="en-US" sz="3600" b="1" dirty="0"/>
+              <a:t>social score </a:t>
+            </a:r>
             <a:r>
               <a:rPr lang="en-US" sz="3600" dirty="0"/>
-              <a:t>Weight of each edge is determined by the number of meaningful conversations between two users</a:t>
-            </a:r>
-          </a:p>
-          <a:p>
-            <a:pPr marL="458788" indent="-458788">
-              <a:buFont typeface="Wingdings" charset="2"/>
-              <a:buChar char="§"/>
-            </a:pPr>
-            <a:r>
-              <a:rPr lang="en-US" sz="3600" dirty="0"/>
-              <a:t>Meaningful conversations are determined by average time of message frequency</a:t>
-            </a:r>
-          </a:p>
-          <a:p>
-            <a:pPr marL="458788" indent="-458788">
-              <a:buFont typeface="Wingdings" charset="2"/>
-              <a:buChar char="§"/>
-            </a:pPr>
-            <a:r>
-              <a:rPr lang="en-US" sz="3600" dirty="0"/>
-              <a:t>Users have a varied lifespan, which indicates a high turnover for the group</a:t>
-            </a:r>
-          </a:p>
-          <a:p>
-            <a:pPr marL="458788" indent="-458788">
-              <a:buFont typeface="Wingdings" charset="2"/>
-              <a:buChar char="§"/>
-            </a:pPr>
-            <a:r>
-              <a:rPr lang="en-US" sz="3600" dirty="0"/>
-              <a:t>Mapping of the organization of the gang based on the previous research from Creamer et. al 2009</a:t>
-            </a:r>
-          </a:p>
-          <a:p>
-            <a:pPr marL="458788" indent="-458788">
-              <a:buFont typeface="Wingdings" charset="2"/>
-              <a:buChar char="§"/>
-            </a:pPr>
-            <a:r>
-              <a:rPr lang="en-US" sz="3600" dirty="0"/>
-              <a:t>Calculated the metrics that we find important for mapping the hierarchy</a:t>
-            </a:r>
-            <a:endParaRPr lang="en-US" sz="3600" dirty="0">
-              <a:solidFill>
-                <a:srgbClr val="FF0000"/>
-              </a:solidFill>
-            </a:endParaRPr>
-          </a:p>
-          <a:p>
-            <a:pPr marL="458788" indent="-458788">
-              <a:buFont typeface="Wingdings" charset="2"/>
-              <a:buChar char="§"/>
-            </a:pPr>
-            <a:endParaRPr lang="en-US" sz="3600" dirty="0"/>
+              <a:t>for each user, using the attributes below:</a:t>
+            </a:r>
           </a:p>
         </p:txBody>
       </p:sp>
@@ -5449,8 +5382,8 @@
         </p:nvSpPr>
         <p:spPr>
           <a:xfrm>
-            <a:off x="186922" y="3565683"/>
-            <a:ext cx="10296764" cy="14804053"/>
+            <a:off x="220847" y="3405574"/>
+            <a:ext cx="10526071" cy="5632311"/>
           </a:xfrm>
           <a:prstGeom prst="rect">
             <a:avLst/>
@@ -5469,7 +5402,7 @@
             </a:pPr>
             <a:r>
               <a:rPr lang="en-US" sz="3600" dirty="0"/>
-              <a:t>Cybercrime is a huge cost to the global economy--ransomware is a huge component</a:t>
+              <a:t>Cybercrime is a huge cost to the global economy</a:t>
             </a:r>
           </a:p>
           <a:p>
@@ -5478,8 +5411,12 @@
               <a:buChar char="§"/>
             </a:pPr>
             <a:r>
+              <a:rPr lang="en-US" sz="3600" b="1" dirty="0"/>
+              <a:t>Conti</a:t>
+            </a:r>
+            <a:r>
               <a:rPr lang="en-US" sz="3600" dirty="0"/>
-              <a:t>Organized cybercriminals are hard to study due to a lack of resources on their inner workings</a:t>
+              <a:t> is a cybercrime group known to produce ransomware and is operating out of Russia</a:t>
             </a:r>
           </a:p>
           <a:p>
@@ -5488,12 +5425,8 @@
               <a:buChar char="§"/>
             </a:pPr>
             <a:r>
-              <a:rPr lang="en-US" sz="3600" b="1" dirty="0"/>
-              <a:t>Conti</a:t>
-            </a:r>
-            <a:r>
               <a:rPr lang="en-US" sz="3600" dirty="0"/>
-              <a:t> is a cybercrime group known to produce ransomware and is operating out of St. Petersburg, Russia</a:t>
+              <a:t>The group is responsible for nearly $130 million in USD damages </a:t>
             </a:r>
           </a:p>
           <a:p>
@@ -5503,7 +5436,7 @@
             </a:pPr>
             <a:r>
               <a:rPr lang="en-US" sz="3600" dirty="0"/>
-              <a:t>Conti ransomware is known to have affected all versions of Microsoft Windows</a:t>
+              <a:t>Organized cybercriminals are hard to study due to a lack of resources on their inner workings</a:t>
             </a:r>
           </a:p>
           <a:p>
@@ -5513,143 +5446,13 @@
             </a:pPr>
             <a:r>
               <a:rPr lang="en-US" sz="3600" dirty="0"/>
-              <a:t>The United States government has offered upwards of $15 million dollars to information on Conti</a:t>
-            </a:r>
-          </a:p>
-          <a:p>
-            <a:pPr marL="458788" indent="-458788">
-              <a:buFont typeface="Wingdings" charset="2"/>
-              <a:buChar char="§"/>
-            </a:pPr>
-            <a:r>
-              <a:rPr lang="en-US" sz="3600" dirty="0"/>
-              <a:t>Over 60,000 internal messages were leaked by an insider that was unhappy with the group’s bolstered support for Russia in light of the attacks on Ukraine</a:t>
-            </a:r>
-          </a:p>
-          <a:p>
-            <a:pPr marL="458788" indent="-458788">
-              <a:buFont typeface="Wingdings" charset="2"/>
-              <a:buChar char="§"/>
-            </a:pPr>
-            <a:r>
-              <a:rPr lang="en-US" sz="3600" dirty="0"/>
-              <a:t>Using these messages, we map the social network and create the group’s leadership hierarchy</a:t>
+              <a:t>An insider leaked over 60,000 internal messages </a:t>
             </a:r>
           </a:p>
           <a:p>
             <a:endParaRPr lang="en-US" sz="3600" dirty="0"/>
           </a:p>
           <a:p>
-            <a:r>
-              <a:rPr lang="en-US" sz="2800" dirty="0"/>
-              <a:t>Manager to CEO: </a:t>
-            </a:r>
-          </a:p>
-          <a:p>
-            <a:pPr marL="457200" indent="-457200">
-              <a:buFont typeface="Arial" panose="020B0604020202020204" pitchFamily="34" charset="0"/>
-              <a:buChar char="•"/>
-            </a:pPr>
-            <a:r>
-              <a:rPr lang="en-US" sz="2800" b="0" i="0" dirty="0">
-                <a:effectLst/>
-                <a:latin typeface="ui-monospace"/>
-              </a:rPr>
-              <a:t>"it's not the first day of this guy's account, a bunch of posts, I figured he's some kind of virtual </a:t>
-            </a:r>
-            <a:r>
-              <a:rPr lang="en-US" sz="2800" b="0" i="0" dirty="0" err="1">
-                <a:effectLst/>
-                <a:latin typeface="ui-monospace"/>
-              </a:rPr>
-              <a:t>Robingud</a:t>
-            </a:r>
-            <a:r>
-              <a:rPr lang="en-US" sz="2800" b="0" i="0" dirty="0">
-                <a:effectLst/>
-                <a:latin typeface="ui-monospace"/>
-              </a:rPr>
-              <a:t>...:) it would suck if he leaked something on our structure, or on coders... the forum is pretty famous, all information will fly around in a moment...”</a:t>
-            </a:r>
-            <a:endParaRPr lang="en-US" sz="2800" dirty="0">
-              <a:latin typeface="ui-monospace"/>
-            </a:endParaRPr>
-          </a:p>
-          <a:p>
-            <a:r>
-              <a:rPr lang="en-US" sz="2800" dirty="0">
-                <a:latin typeface="ui-monospace"/>
-              </a:rPr>
-              <a:t>Coordinating workflows: </a:t>
-            </a:r>
-          </a:p>
-          <a:p>
-            <a:pPr marL="457200" indent="-457200">
-              <a:buFont typeface="Arial" panose="020B0604020202020204" pitchFamily="34" charset="0"/>
-              <a:buChar char="•"/>
-            </a:pPr>
-            <a:r>
-              <a:rPr lang="en-US" sz="2800" b="0" i="0" dirty="0">
-                <a:effectLst/>
-                <a:latin typeface="ui-monospace"/>
-              </a:rPr>
-              <a:t>"work with </a:t>
-            </a:r>
-            <a:r>
-              <a:rPr lang="en-US" sz="2800" b="0" i="0" dirty="0" err="1">
-                <a:effectLst/>
-                <a:latin typeface="ui-monospace"/>
-              </a:rPr>
-              <a:t>netwalker</a:t>
-            </a:r>
-            <a:r>
-              <a:rPr lang="en-US" sz="2800" b="0" i="0" dirty="0">
-                <a:effectLst/>
-                <a:latin typeface="ui-monospace"/>
-              </a:rPr>
-              <a:t> or not what do you think?”</a:t>
-            </a:r>
-          </a:p>
-          <a:p>
-            <a:pPr marL="457200" indent="-457200">
-              <a:buFont typeface="Arial" panose="020B0604020202020204" pitchFamily="34" charset="0"/>
-              <a:buChar char="•"/>
-            </a:pPr>
-            <a:r>
-              <a:rPr lang="en-US" sz="2800" b="0" i="0" dirty="0">
-                <a:effectLst/>
-                <a:latin typeface="ui-monospace"/>
-              </a:rPr>
-              <a:t>"we need to do some recon, find out everything we can on these targets” </a:t>
-            </a:r>
-          </a:p>
-          <a:p>
-            <a:r>
-              <a:rPr lang="en-US" sz="2800" dirty="0">
-                <a:latin typeface="ui-monospace"/>
-              </a:rPr>
-              <a:t>Coordinating payments:</a:t>
-            </a:r>
-          </a:p>
-          <a:p>
-            <a:pPr marL="457200" indent="-457200">
-              <a:buFont typeface="Arial" panose="020B0604020202020204" pitchFamily="34" charset="0"/>
-              <a:buChar char="•"/>
-            </a:pPr>
-            <a:r>
-              <a:rPr lang="en-US" sz="2800" b="0" i="0" dirty="0">
-                <a:effectLst/>
-                <a:latin typeface="ui-monospace"/>
-              </a:rPr>
-              <a:t>"hello, can you send two payments to ZZ"</a:t>
-            </a:r>
-            <a:endParaRPr lang="en-US" sz="2800" dirty="0"/>
-          </a:p>
-          <a:p>
-            <a:pPr marL="458788" indent="-458788">
-              <a:buFont typeface="Wingdings" charset="2"/>
-              <a:buChar char="§"/>
-            </a:pPr>
             <a:endParaRPr lang="en-US" sz="3600" dirty="0"/>
           </a:p>
         </p:txBody>
@@ -5662,8 +5465,8 @@
         </p:nvSpPr>
         <p:spPr>
           <a:xfrm>
-            <a:off x="21709865" y="21532925"/>
-            <a:ext cx="11208534" cy="369332"/>
+            <a:off x="21717492" y="21067032"/>
+            <a:ext cx="11208534" cy="830997"/>
           </a:xfrm>
           <a:prstGeom prst="rect">
             <a:avLst/>
@@ -5679,7 +5482,7 @@
           <a:lstStyle/>
           <a:p>
             <a:r>
-              <a:rPr lang="en-US" sz="1800" b="1" i="1" dirty="0">
+              <a:rPr lang="en-US" sz="1600" b="1" i="1" dirty="0">
                 <a:solidFill>
                   <a:schemeClr val="bg1"/>
                 </a:solidFill>
@@ -5687,12 +5490,101 @@
               <a:t>Acknowledgments: </a:t>
             </a:r>
             <a:r>
-              <a:rPr lang="en-US" sz="1800" i="1" dirty="0">
+              <a:rPr lang="en-US" sz="1600" i="1" dirty="0">
                 <a:solidFill>
                   <a:schemeClr val="bg1"/>
                 </a:solidFill>
               </a:rPr>
-              <a:t>This research was conducted with support from UROP. </a:t>
+              <a:t>This research was conducted as part of the UROC program, run by Dr. </a:t>
+            </a:r>
+            <a:r>
+              <a:rPr lang="en-US" sz="1600" i="1" dirty="0" err="1">
+                <a:solidFill>
+                  <a:schemeClr val="bg1"/>
+                </a:solidFill>
+              </a:rPr>
+              <a:t>Lamara</a:t>
+            </a:r>
+            <a:r>
+              <a:rPr lang="en-US" sz="1600" i="1" dirty="0">
+                <a:solidFill>
+                  <a:schemeClr val="bg1"/>
+                </a:solidFill>
+              </a:rPr>
+              <a:t> D. Warren..</a:t>
+            </a:r>
+          </a:p>
+          <a:p>
+            <a:r>
+              <a:rPr lang="en-US" sz="1600" b="1" i="1" dirty="0">
+                <a:solidFill>
+                  <a:schemeClr val="bg1"/>
+                </a:solidFill>
+              </a:rPr>
+              <a:t>References:  </a:t>
+            </a:r>
+            <a:r>
+              <a:rPr lang="en-US" sz="1600" dirty="0">
+                <a:solidFill>
+                  <a:schemeClr val="bg1"/>
+                </a:solidFill>
+                <a:effectLst/>
+              </a:rPr>
+              <a:t>G. Creamer, R. Rowe, S. </a:t>
+            </a:r>
+            <a:r>
+              <a:rPr lang="en-US" sz="1600" dirty="0" err="1">
+                <a:solidFill>
+                  <a:schemeClr val="bg1"/>
+                </a:solidFill>
+                <a:effectLst/>
+              </a:rPr>
+              <a:t>Hershkop</a:t>
+            </a:r>
+            <a:r>
+              <a:rPr lang="en-US" sz="1600" dirty="0">
+                <a:solidFill>
+                  <a:schemeClr val="bg1"/>
+                </a:solidFill>
+                <a:effectLst/>
+              </a:rPr>
+              <a:t>, and S. J. </a:t>
+            </a:r>
+            <a:r>
+              <a:rPr lang="en-US" sz="1600" dirty="0" err="1">
+                <a:solidFill>
+                  <a:schemeClr val="bg1"/>
+                </a:solidFill>
+                <a:effectLst/>
+              </a:rPr>
+              <a:t>Stolfo</a:t>
+            </a:r>
+            <a:r>
+              <a:rPr lang="en-US" sz="1600" dirty="0">
+                <a:solidFill>
+                  <a:schemeClr val="bg1"/>
+                </a:solidFill>
+                <a:effectLst/>
+              </a:rPr>
+              <a:t>, “Segmentation and automated social hierarchy detection through email network analysis,” </a:t>
+            </a:r>
+            <a:r>
+              <a:rPr lang="en-US" sz="1600" i="1" dirty="0">
+                <a:solidFill>
+                  <a:schemeClr val="bg1"/>
+                </a:solidFill>
+                <a:effectLst/>
+              </a:rPr>
+              <a:t>Advances in Web Mining and Web Usage Analysis</a:t>
+            </a:r>
+            <a:r>
+              <a:rPr lang="en-US" sz="1600" dirty="0">
+                <a:solidFill>
+                  <a:schemeClr val="bg1"/>
+                </a:solidFill>
+                <a:effectLst/>
+              </a:rPr>
+              <a:t>, pp. 40–58, 2009. </a:t>
             </a:r>
           </a:p>
         </p:txBody>
@@ -5746,8 +5638,8 @@
         </p:nvSpPr>
         <p:spPr>
           <a:xfrm>
-            <a:off x="235941" y="19053226"/>
-            <a:ext cx="10296764" cy="2862322"/>
+            <a:off x="156167" y="18056303"/>
+            <a:ext cx="10296764" cy="3416320"/>
           </a:xfrm>
           <a:prstGeom prst="rect">
             <a:avLst/>
@@ -5786,7 +5678,7 @@
             </a:pPr>
             <a:r>
               <a:rPr lang="en-US" sz="3600" dirty="0"/>
-              <a:t>Conversations are all in Russian</a:t>
+              <a:t>Conversations are all in Russian and Operation Security jargon</a:t>
             </a:r>
           </a:p>
           <a:p>
@@ -5796,11 +5688,8 @@
             </a:pPr>
             <a:r>
               <a:rPr lang="en-US" sz="3600" dirty="0"/>
-              <a:t>Learning Network Science methodology </a:t>
-            </a:r>
-          </a:p>
-          <a:p>
-            <a:endParaRPr lang="en-US" sz="3600" dirty="0"/>
+              <a:t>Extraction of hierarchical roles from chats is an understudied field </a:t>
+            </a:r>
           </a:p>
         </p:txBody>
       </p:sp>
@@ -5897,13 +5786,13 @@
         </p:nvPicPr>
         <p:blipFill rotWithShape="1">
           <a:blip r:embed="rId5"/>
-          <a:srcRect t="25090" r="3987" b="6480"/>
+          <a:srcRect l="1" t="25822" r="22040" b="6480"/>
           <a:stretch/>
         </p:blipFill>
         <p:spPr>
           <a:xfrm>
-            <a:off x="12952689" y="3290987"/>
-            <a:ext cx="7243019" cy="6858000"/>
+            <a:off x="17197576" y="3309890"/>
+            <a:ext cx="4467051" cy="5153345"/>
           </a:xfrm>
           <a:prstGeom prst="rect">
             <a:avLst/>
@@ -5939,12 +5828,112 @@
           </a:prstGeom>
         </p:spPr>
       </p:pic>
+      <p:graphicFrame>
+        <p:nvGraphicFramePr>
+          <p:cNvPr id="40" name="Chart 39">
+            <a:extLst>
+              <a:ext uri="{FF2B5EF4-FFF2-40B4-BE49-F238E27FC236}">
+                <a16:creationId xmlns:a16="http://schemas.microsoft.com/office/drawing/2014/main" id="{1F23057C-4DAF-B9B3-3A95-14D09786A922}"/>
+              </a:ext>
+            </a:extLst>
+          </p:cNvPr>
+          <p:cNvGraphicFramePr>
+            <a:graphicFrameLocks/>
+          </p:cNvGraphicFramePr>
+          <p:nvPr>
+            <p:extLst>
+              <p:ext uri="{D42A27DB-BD31-4B8C-83A1-F6EECF244321}">
+                <p14:modId xmlns:p14="http://schemas.microsoft.com/office/powerpoint/2010/main" val="3148139191"/>
+              </p:ext>
+            </p:extLst>
+          </p:nvPr>
+        </p:nvGraphicFramePr>
+        <p:xfrm>
+          <a:off x="21981140" y="12929929"/>
+          <a:ext cx="10663265" cy="4605514"/>
+        </p:xfrm>
+        <a:graphic>
+          <a:graphicData uri="http://schemas.openxmlformats.org/drawingml/2006/chart">
+            <c:chart xmlns:c="http://schemas.openxmlformats.org/drawingml/2006/chart" xmlns:r="http://schemas.openxmlformats.org/officeDocument/2006/relationships" r:id="rId7"/>
+          </a:graphicData>
+        </a:graphic>
+      </p:graphicFrame>
+      <p:sp>
+        <p:nvSpPr>
+          <p:cNvPr id="5" name="TextBox 4">
+            <a:extLst>
+              <a:ext uri="{FF2B5EF4-FFF2-40B4-BE49-F238E27FC236}">
+                <a16:creationId xmlns:a16="http://schemas.microsoft.com/office/drawing/2014/main" id="{FBEC56C4-D205-3D75-B82E-94F2D6D25EFD}"/>
+              </a:ext>
+            </a:extLst>
+          </p:cNvPr>
+          <p:cNvSpPr txBox="1"/>
+          <p:nvPr/>
+        </p:nvSpPr>
+        <p:spPr>
+          <a:xfrm>
+            <a:off x="29703922" y="3369346"/>
+            <a:ext cx="1407240" cy="461665"/>
+          </a:xfrm>
+          <a:prstGeom prst="rect">
+            <a:avLst/>
+          </a:prstGeom>
+          <a:noFill/>
+        </p:spPr>
+        <p:txBody>
+          <a:bodyPr wrap="square" rtlCol="0">
+            <a:spAutoFit/>
+          </a:bodyPr>
+          <a:lstStyle/>
+          <a:p>
+            <a:r>
+              <a:rPr lang="en-US" sz="2400" dirty="0"/>
+              <a:t>stern</a:t>
+            </a:r>
+          </a:p>
+        </p:txBody>
+      </p:sp>
+      <p:sp>
+        <p:nvSpPr>
+          <p:cNvPr id="7" name="TextBox 6">
+            <a:extLst>
+              <a:ext uri="{FF2B5EF4-FFF2-40B4-BE49-F238E27FC236}">
+                <a16:creationId xmlns:a16="http://schemas.microsoft.com/office/drawing/2014/main" id="{3CF79449-1DAB-1652-EA25-EC5EEFF90339}"/>
+              </a:ext>
+            </a:extLst>
+          </p:cNvPr>
+          <p:cNvSpPr txBox="1"/>
+          <p:nvPr/>
+        </p:nvSpPr>
+        <p:spPr>
+          <a:xfrm>
+            <a:off x="29703922" y="3882942"/>
+            <a:ext cx="1407240" cy="461665"/>
+          </a:xfrm>
+          <a:prstGeom prst="rect">
+            <a:avLst/>
+          </a:prstGeom>
+          <a:noFill/>
+        </p:spPr>
+        <p:txBody>
+          <a:bodyPr wrap="square" rtlCol="0">
+            <a:spAutoFit/>
+          </a:bodyPr>
+          <a:lstStyle/>
+          <a:p>
+            <a:r>
+              <a:rPr lang="en-US" sz="2400" dirty="0"/>
+              <a:t>defender</a:t>
+            </a:r>
+          </a:p>
+        </p:txBody>
+      </p:sp>
       <p:pic>
         <p:nvPicPr>
-          <p:cNvPr id="20" name="Picture 19">
+          <p:cNvPr id="9" name="Graphic 8" descr="Question Mark with solid fill">
             <a:extLst>
               <a:ext uri="{FF2B5EF4-FFF2-40B4-BE49-F238E27FC236}">
-                <a16:creationId xmlns:a16="http://schemas.microsoft.com/office/drawing/2014/main" id="{5970B968-E42B-17F0-2418-F21ED3639842}"/>
+                <a16:creationId xmlns:a16="http://schemas.microsoft.com/office/drawing/2014/main" id="{A2936649-8FE7-E5C1-1006-4D6998D9CBBB}"/>
               </a:ext>
             </a:extLst>
           </p:cNvPr>
@@ -5954,62 +5943,33 @@
           <p:nvPr/>
         </p:nvPicPr>
         <p:blipFill>
-          <a:blip r:embed="rId7"/>
+          <a:blip r:embed="rId8">
+            <a:extLst>
+              <a:ext uri="{96DAC541-7B7A-43D3-8B79-37D633B846F1}">
+                <asvg:svgBlip xmlns:asvg="http://schemas.microsoft.com/office/drawing/2016/SVG/main" r:embed="rId9"/>
+              </a:ext>
+            </a:extLst>
+          </a:blip>
           <a:stretch>
             <a:fillRect/>
           </a:stretch>
         </p:blipFill>
         <p:spPr>
           <a:xfrm>
-            <a:off x="15311615" y="17564164"/>
-            <a:ext cx="5469249" cy="393214"/>
+            <a:off x="29705815" y="14234730"/>
+            <a:ext cx="340311" cy="340311"/>
           </a:xfrm>
           <a:prstGeom prst="rect">
             <a:avLst/>
           </a:prstGeom>
         </p:spPr>
       </p:pic>
-      <p:sp>
-        <p:nvSpPr>
-          <p:cNvPr id="21" name="TextBox 20">
+      <p:pic>
+        <p:nvPicPr>
+          <p:cNvPr id="11" name="Graphic 10" descr="Question Mark with solid fill">
             <a:extLst>
               <a:ext uri="{FF2B5EF4-FFF2-40B4-BE49-F238E27FC236}">
-                <a16:creationId xmlns:a16="http://schemas.microsoft.com/office/drawing/2014/main" id="{8996B9AA-BD67-7F26-505C-8CB4FB855FAC}"/>
-              </a:ext>
-            </a:extLst>
-          </p:cNvPr>
-          <p:cNvSpPr txBox="1"/>
-          <p:nvPr/>
-        </p:nvSpPr>
-        <p:spPr>
-          <a:xfrm>
-            <a:off x="11495314" y="17463332"/>
-            <a:ext cx="3559629" cy="461665"/>
-          </a:xfrm>
-          <a:prstGeom prst="rect">
-            <a:avLst/>
-          </a:prstGeom>
-          <a:noFill/>
-        </p:spPr>
-        <p:txBody>
-          <a:bodyPr wrap="square" rtlCol="0">
-            <a:spAutoFit/>
-          </a:bodyPr>
-          <a:lstStyle/>
-          <a:p>
-            <a:r>
-              <a:rPr lang="en-US" sz="2400" dirty="0"/>
-              <a:t>Clustering coefficient</a:t>
-            </a:r>
-          </a:p>
-        </p:txBody>
-      </p:sp>
-      <p:pic>
-        <p:nvPicPr>
-          <p:cNvPr id="25" name="Picture 24">
-            <a:extLst>
-              <a:ext uri="{FF2B5EF4-FFF2-40B4-BE49-F238E27FC236}">
-                <a16:creationId xmlns:a16="http://schemas.microsoft.com/office/drawing/2014/main" id="{9B703200-B0E6-7250-4838-928FE694BCE2}"/>
+                <a16:creationId xmlns:a16="http://schemas.microsoft.com/office/drawing/2014/main" id="{1587A8F2-E66B-F5E1-7A93-F92AB41532B0}"/>
               </a:ext>
             </a:extLst>
           </p:cNvPr>
@@ -6019,57 +5979,138 @@
           <p:nvPr/>
         </p:nvPicPr>
         <p:blipFill>
-          <a:blip r:embed="rId8"/>
+          <a:blip r:embed="rId8">
+            <a:extLst>
+              <a:ext uri="{96DAC541-7B7A-43D3-8B79-37D633B846F1}">
+                <asvg:svgBlip xmlns:asvg="http://schemas.microsoft.com/office/drawing/2016/SVG/main" r:embed="rId9"/>
+              </a:ext>
+            </a:extLst>
+          </a:blip>
           <a:stretch>
             <a:fillRect/>
           </a:stretch>
         </p:blipFill>
         <p:spPr>
           <a:xfrm>
-            <a:off x="15288723" y="18225536"/>
-            <a:ext cx="1625600" cy="330200"/>
+            <a:off x="29042698" y="16504390"/>
+            <a:ext cx="340311" cy="340311"/>
           </a:xfrm>
           <a:prstGeom prst="rect">
             <a:avLst/>
           </a:prstGeom>
         </p:spPr>
       </p:pic>
-      <p:pic>
-        <p:nvPicPr>
-          <p:cNvPr id="32" name="Picture 31">
+      <p:sp>
+        <p:nvSpPr>
+          <p:cNvPr id="16" name="TextBox 15">
             <a:extLst>
               <a:ext uri="{FF2B5EF4-FFF2-40B4-BE49-F238E27FC236}">
-                <a16:creationId xmlns:a16="http://schemas.microsoft.com/office/drawing/2014/main" id="{396F9A57-2680-32A8-F59F-1E7F877D3F7A}"/>
+                <a16:creationId xmlns:a16="http://schemas.microsoft.com/office/drawing/2014/main" id="{BBD11CA5-572E-720B-9F8E-8CF6CFB6B43B}"/>
               </a:ext>
             </a:extLst>
           </p:cNvPr>
-          <p:cNvPicPr>
-            <a:picLocks noChangeAspect="1"/>
-          </p:cNvPicPr>
+          <p:cNvSpPr txBox="1"/>
           <p:nvPr/>
-        </p:nvPicPr>
-        <p:blipFill>
-          <a:blip r:embed="rId9"/>
-          <a:stretch>
-            <a:fillRect/>
-          </a:stretch>
-        </p:blipFill>
+        </p:nvSpPr>
         <p:spPr>
           <a:xfrm>
-            <a:off x="15266098" y="18859299"/>
-            <a:ext cx="1308100" cy="304800"/>
+            <a:off x="21828603" y="17469248"/>
+            <a:ext cx="10521347" cy="307777"/>
           </a:xfrm>
           <a:prstGeom prst="rect">
             <a:avLst/>
           </a:prstGeom>
+          <a:noFill/>
         </p:spPr>
-      </p:pic>
+        <p:txBody>
+          <a:bodyPr wrap="square" rtlCol="0">
+            <a:spAutoFit/>
+          </a:bodyPr>
+          <a:lstStyle/>
+          <a:p>
+            <a:r>
+              <a:rPr lang="en-US" sz="1400" dirty="0"/>
+              <a:t>*We expect the lower-level employees are in contractor positions, which is why they don’t cluster with one another (low interaction)</a:t>
+            </a:r>
+          </a:p>
+        </p:txBody>
+      </p:sp>
+      <p:sp>
+        <p:nvSpPr>
+          <p:cNvPr id="19" name="TextBox 18">
+            <a:extLst>
+              <a:ext uri="{FF2B5EF4-FFF2-40B4-BE49-F238E27FC236}">
+                <a16:creationId xmlns:a16="http://schemas.microsoft.com/office/drawing/2014/main" id="{4ABCC735-F607-9E61-4DF5-835FC1ACD77D}"/>
+              </a:ext>
+            </a:extLst>
+          </p:cNvPr>
+          <p:cNvSpPr txBox="1"/>
+          <p:nvPr/>
+        </p:nvSpPr>
+        <p:spPr>
+          <a:xfrm>
+            <a:off x="21824370" y="17736420"/>
+            <a:ext cx="11015872" cy="523220"/>
+          </a:xfrm>
+          <a:prstGeom prst="rect">
+            <a:avLst/>
+          </a:prstGeom>
+          <a:noFill/>
+        </p:spPr>
+        <p:txBody>
+          <a:bodyPr wrap="square" rtlCol="0">
+            <a:spAutoFit/>
+          </a:bodyPr>
+          <a:lstStyle/>
+          <a:p>
+            <a:r>
+              <a:rPr lang="en-US" sz="1400" dirty="0"/>
+              <a:t>**We expect this to be different from existing literature due to the high turnover rate within the group and likelihood of the group working as a startup rather than a typical, more established organization</a:t>
+            </a:r>
+          </a:p>
+        </p:txBody>
+      </p:sp>
+      <p:sp>
+        <p:nvSpPr>
+          <p:cNvPr id="23" name="TextBox 22">
+            <a:extLst>
+              <a:ext uri="{FF2B5EF4-FFF2-40B4-BE49-F238E27FC236}">
+                <a16:creationId xmlns:a16="http://schemas.microsoft.com/office/drawing/2014/main" id="{742613DA-D14A-E13F-EAEF-51D342FF198A}"/>
+              </a:ext>
+            </a:extLst>
+          </p:cNvPr>
+          <p:cNvSpPr txBox="1"/>
+          <p:nvPr/>
+        </p:nvSpPr>
+        <p:spPr>
+          <a:xfrm>
+            <a:off x="29233462" y="16250977"/>
+            <a:ext cx="613354" cy="584775"/>
+          </a:xfrm>
+          <a:prstGeom prst="rect">
+            <a:avLst/>
+          </a:prstGeom>
+          <a:noFill/>
+        </p:spPr>
+        <p:txBody>
+          <a:bodyPr wrap="square" rtlCol="0">
+            <a:spAutoFit/>
+          </a:bodyPr>
+          <a:lstStyle/>
+          <a:p>
+            <a:r>
+              <a:rPr lang="en-US" sz="3200" dirty="0"/>
+              <a:t>*</a:t>
+            </a:r>
+          </a:p>
+        </p:txBody>
+      </p:sp>
       <p:pic>
         <p:nvPicPr>
-          <p:cNvPr id="35" name="Picture 34">
+          <p:cNvPr id="31" name="Picture 30" descr="Diagram, schematic&#10;&#10;Description automatically generated">
             <a:extLst>
               <a:ext uri="{FF2B5EF4-FFF2-40B4-BE49-F238E27FC236}">
-                <a16:creationId xmlns:a16="http://schemas.microsoft.com/office/drawing/2014/main" id="{BA1918B7-9CD5-88A2-93CF-AF38BE147C52}"/>
+                <a16:creationId xmlns:a16="http://schemas.microsoft.com/office/drawing/2014/main" id="{9652A93F-E073-97A6-FAD1-8E64FBDF7100}"/>
               </a:ext>
             </a:extLst>
           </p:cNvPr>
@@ -6086,8 +6127,8 @@
         </p:blipFill>
         <p:spPr>
           <a:xfrm>
-            <a:off x="14498579" y="19900295"/>
-            <a:ext cx="5558945" cy="1066099"/>
+            <a:off x="12299964" y="8324841"/>
+            <a:ext cx="7901212" cy="5925908"/>
           </a:xfrm>
           <a:prstGeom prst="rect">
             <a:avLst/>
@@ -6096,10 +6137,10 @@
       </p:pic>
       <p:sp>
         <p:nvSpPr>
-          <p:cNvPr id="37" name="TextBox 36">
+          <p:cNvPr id="42" name="TextBox 41">
             <a:extLst>
               <a:ext uri="{FF2B5EF4-FFF2-40B4-BE49-F238E27FC236}">
-                <a16:creationId xmlns:a16="http://schemas.microsoft.com/office/drawing/2014/main" id="{9D44703A-4408-78E7-1910-75E92A5B0D61}"/>
+                <a16:creationId xmlns:a16="http://schemas.microsoft.com/office/drawing/2014/main" id="{55FB843B-9C48-2C14-86BF-5408CB6A013A}"/>
               </a:ext>
             </a:extLst>
           </p:cNvPr>
@@ -6108,8 +6149,8 @@
         </p:nvSpPr>
         <p:spPr>
           <a:xfrm>
-            <a:off x="11525499" y="20260211"/>
-            <a:ext cx="16557170" cy="461665"/>
+            <a:off x="10931208" y="3394834"/>
+            <a:ext cx="6556685" cy="5570756"/>
           </a:xfrm>
           <a:prstGeom prst="rect">
             <a:avLst/>
@@ -6117,48 +6158,1150 @@
           <a:noFill/>
         </p:spPr>
         <p:txBody>
-          <a:bodyPr wrap="square">
+          <a:bodyPr wrap="square" rtlCol="0">
             <a:spAutoFit/>
           </a:bodyPr>
           <a:lstStyle/>
           <a:p>
-            <a:r>
-              <a:rPr lang="en-US" sz="2400" b="1" dirty="0"/>
-              <a:t>SOCIAL SCORE</a:t>
-            </a:r>
-          </a:p>
-        </p:txBody>
-      </p:sp>
-      <p:graphicFrame>
-        <p:nvGraphicFramePr>
-          <p:cNvPr id="40" name="Chart 39">
+            <a:pPr marL="458788" indent="-458788">
+              <a:buFont typeface="Wingdings" charset="2"/>
+              <a:buChar char="§"/>
+            </a:pPr>
+            <a:r>
+              <a:rPr lang="en-US" sz="3200" dirty="0"/>
+              <a:t>Each </a:t>
+            </a:r>
+            <a:r>
+              <a:rPr lang="en-US" sz="3200" b="1" dirty="0"/>
+              <a:t>node</a:t>
+            </a:r>
+            <a:r>
+              <a:rPr lang="en-US" sz="3200" dirty="0"/>
+              <a:t> represents a </a:t>
+            </a:r>
+            <a:r>
+              <a:rPr lang="en-US" sz="3200" i="1" dirty="0"/>
+              <a:t>user</a:t>
+            </a:r>
+          </a:p>
+          <a:p>
+            <a:pPr marL="458788" indent="-458788">
+              <a:buFont typeface="Wingdings" charset="2"/>
+              <a:buChar char="§"/>
+            </a:pPr>
+            <a:r>
+              <a:rPr lang="en-US" sz="3200" b="1" dirty="0"/>
+              <a:t>Edges</a:t>
+            </a:r>
+            <a:r>
+              <a:rPr lang="en-US" sz="3200" dirty="0"/>
+              <a:t> represent the </a:t>
+            </a:r>
+            <a:r>
+              <a:rPr lang="en-US" sz="3200" i="1" dirty="0"/>
+              <a:t>complete conversation </a:t>
+            </a:r>
+            <a:r>
+              <a:rPr lang="en-US" sz="3200" dirty="0"/>
+              <a:t>between two users.</a:t>
+            </a:r>
+          </a:p>
+          <a:p>
+            <a:pPr marL="458788" indent="-458788">
+              <a:buFont typeface="Wingdings" charset="2"/>
+              <a:buChar char="§"/>
+            </a:pPr>
+            <a:r>
+              <a:rPr lang="en-US" sz="3200" b="1" dirty="0"/>
+              <a:t>Complete conversion is</a:t>
+            </a:r>
+            <a:r>
+              <a:rPr lang="en-US" sz="3200" dirty="0"/>
+              <a:t> determined by a set of messages exchanged between users within a small-time window.</a:t>
+            </a:r>
+          </a:p>
+          <a:p>
+            <a:pPr marL="458788" indent="-458788">
+              <a:buFont typeface="Wingdings" charset="2"/>
+              <a:buChar char="§"/>
+            </a:pPr>
+            <a:r>
+              <a:rPr lang="en-US" sz="3200" b="1" dirty="0"/>
+              <a:t>Weight of each edge </a:t>
+            </a:r>
+            <a:r>
+              <a:rPr lang="en-US" sz="3200" dirty="0"/>
+              <a:t>is determined by the number of </a:t>
+            </a:r>
+            <a:r>
+              <a:rPr lang="en-US" sz="3200" i="1" dirty="0"/>
+              <a:t>complete conversations </a:t>
+            </a:r>
+            <a:r>
+              <a:rPr lang="en-US" sz="3200" dirty="0"/>
+              <a:t>between users.</a:t>
+            </a:r>
+          </a:p>
+          <a:p>
+            <a:pPr marL="458788" indent="-458788">
+              <a:buFont typeface="Wingdings" charset="2"/>
+              <a:buChar char="§"/>
+            </a:pPr>
+            <a:endParaRPr lang="en-US" sz="3600" dirty="0"/>
+          </a:p>
+        </p:txBody>
+      </p:sp>
+      <p:pic>
+        <p:nvPicPr>
+          <p:cNvPr id="43" name="Picture 42" descr="Table&#10;&#10;Description automatically generated">
             <a:extLst>
               <a:ext uri="{FF2B5EF4-FFF2-40B4-BE49-F238E27FC236}">
-                <a16:creationId xmlns:a16="http://schemas.microsoft.com/office/drawing/2014/main" id="{1F23057C-4DAF-B9B3-3A95-14D09786A922}"/>
+                <a16:creationId xmlns:a16="http://schemas.microsoft.com/office/drawing/2014/main" id="{5073B011-1552-C6EE-91D6-5CFDF66F7559}"/>
               </a:ext>
             </a:extLst>
           </p:cNvPr>
-          <p:cNvGraphicFramePr>
-            <a:graphicFrameLocks/>
-          </p:cNvGraphicFramePr>
-          <p:nvPr>
-            <p:extLst>
-              <p:ext uri="{D42A27DB-BD31-4B8C-83A1-F6EECF244321}">
-                <p14:modId xmlns:p14="http://schemas.microsoft.com/office/powerpoint/2010/main" val="3821781809"/>
-              </p:ext>
-            </p:extLst>
-          </p:nvPr>
-        </p:nvGraphicFramePr>
-        <p:xfrm>
-          <a:off x="21982868" y="13160052"/>
-          <a:ext cx="10663265" cy="4605514"/>
-        </p:xfrm>
-        <a:graphic>
-          <a:graphicData uri="http://schemas.openxmlformats.org/drawingml/2006/chart">
-            <c:chart xmlns:c="http://schemas.openxmlformats.org/drawingml/2006/chart" xmlns:r="http://schemas.openxmlformats.org/officeDocument/2006/relationships" r:id="rId11"/>
-          </a:graphicData>
-        </a:graphic>
-      </p:graphicFrame>
+          <p:cNvPicPr>
+            <a:picLocks noChangeAspect="1"/>
+          </p:cNvPicPr>
+          <p:nvPr/>
+        </p:nvPicPr>
+        <p:blipFill rotWithShape="1">
+          <a:blip r:embed="rId11"/>
+          <a:srcRect t="1328" b="32334"/>
+          <a:stretch/>
+        </p:blipFill>
+        <p:spPr>
+          <a:xfrm>
+            <a:off x="21905434" y="8965590"/>
+            <a:ext cx="10738971" cy="3389117"/>
+          </a:xfrm>
+          <a:prstGeom prst="rect">
+            <a:avLst/>
+          </a:prstGeom>
+        </p:spPr>
+      </p:pic>
+      <p:sp>
+        <p:nvSpPr>
+          <p:cNvPr id="45" name="TextBox 44">
+            <a:extLst>
+              <a:ext uri="{FF2B5EF4-FFF2-40B4-BE49-F238E27FC236}">
+                <a16:creationId xmlns:a16="http://schemas.microsoft.com/office/drawing/2014/main" id="{FB749E8A-C914-B3B2-D4F6-D5D5CCD45609}"/>
+              </a:ext>
+            </a:extLst>
+          </p:cNvPr>
+          <p:cNvSpPr txBox="1"/>
+          <p:nvPr/>
+        </p:nvSpPr>
+        <p:spPr>
+          <a:xfrm>
+            <a:off x="21945617" y="12388858"/>
+            <a:ext cx="10663268" cy="400110"/>
+          </a:xfrm>
+          <a:prstGeom prst="rect">
+            <a:avLst/>
+          </a:prstGeom>
+          <a:noFill/>
+          <a:ln>
+            <a:solidFill>
+              <a:srgbClr val="800000"/>
+            </a:solidFill>
+            <a:prstDash val="dot"/>
+          </a:ln>
+        </p:spPr>
+        <p:txBody>
+          <a:bodyPr wrap="square" rtlCol="0">
+            <a:spAutoFit/>
+          </a:bodyPr>
+          <a:lstStyle/>
+          <a:p>
+            <a:pPr algn="just"/>
+            <a:r>
+              <a:rPr lang="en-US" sz="2000" i="1" dirty="0"/>
+              <a:t>Top ten users ranked by social score. Individual attribute scores displayed.</a:t>
+            </a:r>
+          </a:p>
+        </p:txBody>
+      </p:sp>
+      <p:sp>
+        <p:nvSpPr>
+          <p:cNvPr id="48" name="TextBox 47">
+            <a:extLst>
+              <a:ext uri="{FF2B5EF4-FFF2-40B4-BE49-F238E27FC236}">
+                <a16:creationId xmlns:a16="http://schemas.microsoft.com/office/drawing/2014/main" id="{412721E3-38A1-2A69-97DB-D49A4FD6661C}"/>
+              </a:ext>
+            </a:extLst>
+          </p:cNvPr>
+          <p:cNvSpPr txBox="1"/>
+          <p:nvPr/>
+        </p:nvSpPr>
+        <p:spPr>
+          <a:xfrm>
+            <a:off x="15253" y="8109292"/>
+            <a:ext cx="10853574" cy="707886"/>
+          </a:xfrm>
+          <a:prstGeom prst="rect">
+            <a:avLst/>
+          </a:prstGeom>
+          <a:solidFill>
+            <a:srgbClr val="990002"/>
+          </a:solidFill>
+          <a:ln>
+            <a:solidFill>
+              <a:srgbClr val="990002"/>
+            </a:solidFill>
+          </a:ln>
+        </p:spPr>
+        <p:txBody>
+          <a:bodyPr wrap="square" rtlCol="0" anchor="t">
+            <a:spAutoFit/>
+          </a:bodyPr>
+          <a:lstStyle/>
+          <a:p>
+            <a:pPr algn="ctr"/>
+            <a:r>
+              <a:rPr lang="en-US" sz="4000" dirty="0">
+                <a:solidFill>
+                  <a:schemeClr val="bg1"/>
+                </a:solidFill>
+              </a:rPr>
+              <a:t>2. Motivation</a:t>
+            </a:r>
+          </a:p>
+        </p:txBody>
+      </p:sp>
+      <p:sp>
+        <p:nvSpPr>
+          <p:cNvPr id="49" name="TextBox 48">
+            <a:extLst>
+              <a:ext uri="{FF2B5EF4-FFF2-40B4-BE49-F238E27FC236}">
+                <a16:creationId xmlns:a16="http://schemas.microsoft.com/office/drawing/2014/main" id="{FADEEB6C-00BB-0DCD-7016-2C77A02F31CB}"/>
+              </a:ext>
+            </a:extLst>
+          </p:cNvPr>
+          <p:cNvSpPr txBox="1"/>
+          <p:nvPr/>
+        </p:nvSpPr>
+        <p:spPr>
+          <a:xfrm>
+            <a:off x="107425" y="8926372"/>
+            <a:ext cx="10793993" cy="7725192"/>
+          </a:xfrm>
+          <a:prstGeom prst="rect">
+            <a:avLst/>
+          </a:prstGeom>
+          <a:noFill/>
+        </p:spPr>
+        <p:txBody>
+          <a:bodyPr wrap="square" rtlCol="0">
+            <a:spAutoFit/>
+          </a:bodyPr>
+          <a:lstStyle/>
+          <a:p>
+            <a:r>
+              <a:rPr lang="en-US" sz="3600" b="1" dirty="0"/>
+              <a:t>Using the social interactions of the group based off the messages, create a social network and use that information to create the group’s leadership hierarchy. </a:t>
+            </a:r>
+          </a:p>
+          <a:p>
+            <a:endParaRPr lang="en-US" sz="3600" b="1" dirty="0"/>
+          </a:p>
+          <a:p>
+            <a:r>
+              <a:rPr lang="en-US" sz="3150" i="1" dirty="0"/>
+              <a:t>Some detailed evidence from messages that this hierarchy exists:</a:t>
+            </a:r>
+          </a:p>
+          <a:p>
+            <a:pPr marL="457200" indent="-457200">
+              <a:buFont typeface="Wingdings" pitchFamily="2" charset="2"/>
+              <a:buChar char="§"/>
+            </a:pPr>
+            <a:r>
+              <a:rPr lang="en-US" sz="3200" b="0" i="0" dirty="0">
+                <a:solidFill>
+                  <a:srgbClr val="1A1A1A"/>
+                </a:solidFill>
+                <a:effectLst/>
+                <a:latin typeface="BreveText"/>
+              </a:rPr>
+              <a:t>“I have 100 people here, half of them, even 10 percent, do not do what they need, and they only ask for money, because they think that they are f****** useful.</a:t>
+            </a:r>
+            <a:r>
+              <a:rPr lang="en-US" sz="3200" b="0" i="1" dirty="0">
+                <a:effectLst/>
+                <a:latin typeface="ui-monospace"/>
+              </a:rPr>
+              <a:t> </a:t>
+            </a:r>
+            <a:r>
+              <a:rPr lang="en-US" sz="3200" b="0" i="0" dirty="0">
+                <a:solidFill>
+                  <a:srgbClr val="1A1A1A"/>
+                </a:solidFill>
+                <a:effectLst/>
+                <a:latin typeface="BreveText"/>
+              </a:rPr>
+              <a:t>”</a:t>
+            </a:r>
+          </a:p>
+          <a:p>
+            <a:pPr marL="457200" indent="-457200">
+              <a:buFont typeface="Wingdings" pitchFamily="2" charset="2"/>
+              <a:buChar char="§"/>
+            </a:pPr>
+            <a:r>
+              <a:rPr lang="en-US" sz="3200" b="0" i="0" dirty="0">
+                <a:solidFill>
+                  <a:srgbClr val="1A1A1A"/>
+                </a:solidFill>
+                <a:effectLst/>
+                <a:latin typeface="BreveText"/>
+              </a:rPr>
+              <a:t>“We have salaries on the 1st and 15th, usually 2 times a month” </a:t>
+            </a:r>
+          </a:p>
+          <a:p>
+            <a:pPr marL="457200" indent="-457200">
+              <a:buFont typeface="Wingdings" pitchFamily="2" charset="2"/>
+              <a:buChar char="§"/>
+            </a:pPr>
+            <a:r>
+              <a:rPr lang="en-US" sz="3200" b="0" i="0" dirty="0">
+                <a:solidFill>
+                  <a:srgbClr val="1A1A1A"/>
+                </a:solidFill>
+                <a:effectLst/>
+                <a:latin typeface="BreveText"/>
+              </a:rPr>
+              <a:t>“Let's get the dollar out of the game. He is a f***** up bastard.” </a:t>
+            </a:r>
+          </a:p>
+          <a:p>
+            <a:pPr marL="457200" indent="-457200">
+              <a:buFont typeface="Wingdings" pitchFamily="2" charset="2"/>
+              <a:buChar char="§"/>
+            </a:pPr>
+            <a:r>
+              <a:rPr lang="en-US" sz="3200" b="0" dirty="0">
+                <a:effectLst/>
+                <a:latin typeface="ui-monospace"/>
+              </a:rPr>
+              <a:t>"it would suck if he leaked something on our structure, or on coders... the forum is pretty famous, all information will fly around in a moment...”</a:t>
+            </a:r>
+            <a:endParaRPr lang="en-US" sz="3200" dirty="0"/>
+          </a:p>
+        </p:txBody>
+      </p:sp>
+      <p:sp>
+        <p:nvSpPr>
+          <p:cNvPr id="51" name="TextBox 50">
+            <a:extLst>
+              <a:ext uri="{FF2B5EF4-FFF2-40B4-BE49-F238E27FC236}">
+                <a16:creationId xmlns:a16="http://schemas.microsoft.com/office/drawing/2014/main" id="{A1A04E8E-ACDF-D3B9-FAB0-6B48306F523B}"/>
+              </a:ext>
+            </a:extLst>
+          </p:cNvPr>
+          <p:cNvSpPr txBox="1"/>
+          <p:nvPr/>
+        </p:nvSpPr>
+        <p:spPr>
+          <a:xfrm>
+            <a:off x="11170459" y="17611984"/>
+            <a:ext cx="5147337" cy="3970318"/>
+          </a:xfrm>
+          <a:prstGeom prst="rect">
+            <a:avLst/>
+          </a:prstGeom>
+          <a:solidFill>
+            <a:schemeClr val="tx2">
+              <a:lumMod val="20000"/>
+              <a:lumOff val="80000"/>
+            </a:schemeClr>
+          </a:solidFill>
+        </p:spPr>
+        <p:txBody>
+          <a:bodyPr wrap="square" rtlCol="0">
+            <a:spAutoFit/>
+          </a:bodyPr>
+          <a:lstStyle/>
+          <a:p>
+            <a:pPr marL="514350" indent="-514350">
+              <a:buAutoNum type="arabicPeriod"/>
+            </a:pPr>
+            <a:r>
+              <a:rPr lang="en-US" sz="2800" dirty="0"/>
+              <a:t>Degree</a:t>
+            </a:r>
+          </a:p>
+          <a:p>
+            <a:pPr marL="457200" indent="-514350">
+              <a:buAutoNum type="arabicPeriod"/>
+            </a:pPr>
+            <a:r>
+              <a:rPr lang="en-US" sz="2800" dirty="0"/>
+              <a:t>Betweenness Centrality (Bet. C)</a:t>
+            </a:r>
+          </a:p>
+          <a:p>
+            <a:pPr marL="514350" indent="-514350">
+              <a:buAutoNum type="arabicPeriod"/>
+            </a:pPr>
+            <a:r>
+              <a:rPr lang="en-US" sz="2800" dirty="0"/>
+              <a:t>Degree Centrality (Degree C.)</a:t>
+            </a:r>
+          </a:p>
+          <a:p>
+            <a:pPr marL="514350" indent="-514350">
+              <a:buAutoNum type="arabicPeriod"/>
+            </a:pPr>
+            <a:r>
+              <a:rPr lang="en-US" sz="2800" dirty="0"/>
+              <a:t>Hubs/Authorities</a:t>
+            </a:r>
+          </a:p>
+          <a:p>
+            <a:pPr marL="514350" indent="-514350">
+              <a:buAutoNum type="arabicPeriod"/>
+            </a:pPr>
+            <a:r>
+              <a:rPr lang="en-US" sz="2800" dirty="0"/>
+              <a:t>Clustering Coefficient (Clustering)</a:t>
+            </a:r>
+          </a:p>
+          <a:p>
+            <a:pPr marL="514350" indent="-514350">
+              <a:buAutoNum type="arabicPeriod"/>
+            </a:pPr>
+            <a:r>
+              <a:rPr lang="en-US" sz="2800" dirty="0"/>
+              <a:t>Average Shortest Path</a:t>
+            </a:r>
+          </a:p>
+          <a:p>
+            <a:pPr marL="514350" indent="-514350">
+              <a:buAutoNum type="arabicPeriod"/>
+            </a:pPr>
+            <a:r>
+              <a:rPr lang="en-US" sz="2800" dirty="0"/>
+              <a:t>Number of Cliques</a:t>
+            </a:r>
+          </a:p>
+        </p:txBody>
+      </p:sp>
+      <mc:AlternateContent xmlns:mc="http://schemas.openxmlformats.org/markup-compatibility/2006">
+        <mc:Choice xmlns:a14="http://schemas.microsoft.com/office/drawing/2010/main" Requires="a14">
+          <p:sp>
+            <p:nvSpPr>
+              <p:cNvPr id="55" name="TextBox 54">
+                <a:extLst>
+                  <a:ext uri="{FF2B5EF4-FFF2-40B4-BE49-F238E27FC236}">
+                    <a16:creationId xmlns:a16="http://schemas.microsoft.com/office/drawing/2014/main" id="{B000A393-EC68-666A-9200-2AD4120ECF6C}"/>
+                  </a:ext>
+                </a:extLst>
+              </p:cNvPr>
+              <p:cNvSpPr txBox="1"/>
+              <p:nvPr/>
+            </p:nvSpPr>
+            <p:spPr>
+              <a:xfrm>
+                <a:off x="16319913" y="17623136"/>
+                <a:ext cx="5147338" cy="3977240"/>
+              </a:xfrm>
+              <a:prstGeom prst="rect">
+                <a:avLst/>
+              </a:prstGeom>
+              <a:solidFill>
+                <a:schemeClr val="accent2">
+                  <a:lumMod val="20000"/>
+                  <a:lumOff val="80000"/>
+                </a:schemeClr>
+              </a:solidFill>
+            </p:spPr>
+            <p:txBody>
+              <a:bodyPr wrap="square" rtlCol="0">
+                <a:spAutoFit/>
+              </a:bodyPr>
+              <a:lstStyle/>
+              <a:p>
+                <a:r>
+                  <a:rPr lang="en-US" sz="2800" b="1" dirty="0">
+                    <a:solidFill>
+                      <a:schemeClr val="tx1"/>
+                    </a:solidFill>
+                  </a:rPr>
+                  <a:t>Social Score</a:t>
+                </a:r>
+              </a:p>
+              <a:p>
+                <a:r>
+                  <a:rPr lang="en-US" sz="2800" dirty="0">
+                    <a:solidFill>
+                      <a:schemeClr val="tx1"/>
+                    </a:solidFill>
+                  </a:rPr>
+                  <a:t>Each attribute is </a:t>
+                </a:r>
+                <a:r>
+                  <a:rPr lang="en-US" sz="2800" i="1" dirty="0">
+                    <a:solidFill>
+                      <a:schemeClr val="tx1"/>
+                    </a:solidFill>
+                  </a:rPr>
+                  <a:t>normalized</a:t>
+                </a:r>
+                <a:r>
+                  <a:rPr lang="en-US" sz="2800" dirty="0">
+                    <a:solidFill>
+                      <a:schemeClr val="tx1"/>
+                    </a:solidFill>
+                  </a:rPr>
+                  <a:t>, then each user’s score is found using:</a:t>
+                </a:r>
+              </a:p>
+              <a:p>
+                <a:pPr/>
+                <a14:m>
+                  <m:oMathPara xmlns:m="http://schemas.openxmlformats.org/officeDocument/2006/math">
+                    <m:oMathParaPr>
+                      <m:jc m:val="centerGroup"/>
+                    </m:oMathParaPr>
+                    <m:oMath xmlns:m="http://schemas.openxmlformats.org/officeDocument/2006/math">
+                      <m:f>
+                        <m:fPr>
+                          <m:ctrlPr>
+                            <a:rPr lang="en-US" sz="2800" b="1" i="1" smtClean="0">
+                              <a:solidFill>
+                                <a:schemeClr val="tx1"/>
+                              </a:solidFill>
+                              <a:latin typeface="Cambria Math" panose="02040503050406030204" pitchFamily="18" charset="0"/>
+                            </a:rPr>
+                          </m:ctrlPr>
+                        </m:fPr>
+                        <m:num>
+                          <m:nary>
+                            <m:naryPr>
+                              <m:chr m:val="∑"/>
+                              <m:limLoc m:val="subSup"/>
+                              <m:supHide m:val="on"/>
+                              <m:ctrlPr>
+                                <a:rPr lang="en-US" sz="2800" b="1" i="1">
+                                  <a:solidFill>
+                                    <a:schemeClr val="tx1"/>
+                                  </a:solidFill>
+                                  <a:latin typeface="Cambria Math" panose="02040503050406030204" pitchFamily="18" charset="0"/>
+                                </a:rPr>
+                              </m:ctrlPr>
+                            </m:naryPr>
+                            <m:sub>
+                              <m:r>
+                                <m:rPr>
+                                  <m:brk m:alnAt="9"/>
+                                </m:rPr>
+                                <a:rPr lang="en-US" sz="2800" b="1" i="1">
+                                  <a:solidFill>
+                                    <a:schemeClr val="tx1"/>
+                                  </a:solidFill>
+                                  <a:latin typeface="Cambria Math" panose="02040503050406030204" pitchFamily="18" charset="0"/>
+                                </a:rPr>
+                                <m:t>𝒂</m:t>
+                              </m:r>
+                            </m:sub>
+                            <m:sup/>
+                            <m:e>
+                              <m:sSub>
+                                <m:sSubPr>
+                                  <m:ctrlPr>
+                                    <a:rPr lang="en-US" sz="2800" b="1" i="1">
+                                      <a:solidFill>
+                                        <a:schemeClr val="tx1"/>
+                                      </a:solidFill>
+                                      <a:latin typeface="Cambria Math" panose="02040503050406030204" pitchFamily="18" charset="0"/>
+                                    </a:rPr>
+                                  </m:ctrlPr>
+                                </m:sSubPr>
+                                <m:e>
+                                  <m:r>
+                                    <a:rPr lang="en-US" sz="2800" b="1" i="1">
+                                      <a:solidFill>
+                                        <a:schemeClr val="tx1"/>
+                                      </a:solidFill>
+                                      <a:latin typeface="Cambria Math" panose="02040503050406030204" pitchFamily="18" charset="0"/>
+                                    </a:rPr>
+                                    <m:t>𝒘</m:t>
+                                  </m:r>
+                                </m:e>
+                                <m:sub>
+                                  <m:r>
+                                    <a:rPr lang="en-US" sz="2800" b="1" i="1">
+                                      <a:solidFill>
+                                        <a:schemeClr val="tx1"/>
+                                      </a:solidFill>
+                                      <a:latin typeface="Cambria Math" panose="02040503050406030204" pitchFamily="18" charset="0"/>
+                                    </a:rPr>
+                                    <m:t>𝒂</m:t>
+                                  </m:r>
+                                </m:sub>
+                              </m:sSub>
+                              <m:r>
+                                <a:rPr lang="en-US" sz="2800" b="1" i="1">
+                                  <a:solidFill>
+                                    <a:schemeClr val="tx1"/>
+                                  </a:solidFill>
+                                  <a:latin typeface="Cambria Math" panose="02040503050406030204" pitchFamily="18" charset="0"/>
+                                </a:rPr>
+                                <m:t>∗</m:t>
+                              </m:r>
+                              <m:r>
+                                <a:rPr lang="en-US" sz="2800" b="1" i="1">
+                                  <a:solidFill>
+                                    <a:schemeClr val="tx1"/>
+                                  </a:solidFill>
+                                  <a:latin typeface="Cambria Math" panose="02040503050406030204" pitchFamily="18" charset="0"/>
+                                </a:rPr>
+                                <m:t>𝒂</m:t>
+                              </m:r>
+                            </m:e>
+                          </m:nary>
+                        </m:num>
+                        <m:den>
+                          <m:nary>
+                            <m:naryPr>
+                              <m:chr m:val="∑"/>
+                              <m:limLoc m:val="subSup"/>
+                              <m:supHide m:val="on"/>
+                              <m:ctrlPr>
+                                <a:rPr lang="en-US" sz="2800" b="1" i="1">
+                                  <a:solidFill>
+                                    <a:schemeClr val="tx1"/>
+                                  </a:solidFill>
+                                  <a:latin typeface="Cambria Math" panose="02040503050406030204" pitchFamily="18" charset="0"/>
+                                </a:rPr>
+                              </m:ctrlPr>
+                            </m:naryPr>
+                            <m:sub>
+                              <m:r>
+                                <m:rPr>
+                                  <m:brk m:alnAt="9"/>
+                                </m:rPr>
+                                <a:rPr lang="en-US" sz="2800" b="1" i="1">
+                                  <a:solidFill>
+                                    <a:schemeClr val="tx1"/>
+                                  </a:solidFill>
+                                  <a:latin typeface="Cambria Math" panose="02040503050406030204" pitchFamily="18" charset="0"/>
+                                </a:rPr>
+                                <m:t>𝒂</m:t>
+                              </m:r>
+                            </m:sub>
+                            <m:sup/>
+                            <m:e>
+                              <m:sSub>
+                                <m:sSubPr>
+                                  <m:ctrlPr>
+                                    <a:rPr lang="en-US" sz="2800" b="1" i="1">
+                                      <a:solidFill>
+                                        <a:schemeClr val="tx1"/>
+                                      </a:solidFill>
+                                      <a:latin typeface="Cambria Math" panose="02040503050406030204" pitchFamily="18" charset="0"/>
+                                    </a:rPr>
+                                  </m:ctrlPr>
+                                </m:sSubPr>
+                                <m:e>
+                                  <m:r>
+                                    <a:rPr lang="en-US" sz="2800" b="1" i="1">
+                                      <a:solidFill>
+                                        <a:schemeClr val="tx1"/>
+                                      </a:solidFill>
+                                      <a:latin typeface="Cambria Math" panose="02040503050406030204" pitchFamily="18" charset="0"/>
+                                    </a:rPr>
+                                    <m:t>𝒘</m:t>
+                                  </m:r>
+                                </m:e>
+                                <m:sub>
+                                  <m:r>
+                                    <a:rPr lang="en-US" sz="2800" b="1" i="1">
+                                      <a:solidFill>
+                                        <a:schemeClr val="tx1"/>
+                                      </a:solidFill>
+                                      <a:latin typeface="Cambria Math" panose="02040503050406030204" pitchFamily="18" charset="0"/>
+                                    </a:rPr>
+                                    <m:t>𝒂</m:t>
+                                  </m:r>
+                                </m:sub>
+                              </m:sSub>
+                            </m:e>
+                          </m:nary>
+                        </m:den>
+                      </m:f>
+                    </m:oMath>
+                  </m:oMathPara>
+                </a14:m>
+                <a:endParaRPr lang="en-US" sz="2800" b="1" dirty="0">
+                  <a:solidFill>
+                    <a:schemeClr val="tx1"/>
+                  </a:solidFill>
+                </a:endParaRPr>
+              </a:p>
+              <a:p>
+                <a:r>
+                  <a:rPr lang="en-US" sz="2800" dirty="0">
+                    <a:solidFill>
+                      <a:schemeClr val="tx1"/>
+                    </a:solidFill>
+                  </a:rPr>
+                  <a:t>where </a:t>
+                </a:r>
+                <a14:m>
+                  <m:oMath xmlns:m="http://schemas.openxmlformats.org/officeDocument/2006/math">
+                    <m:r>
+                      <a:rPr lang="en-US" sz="2800" b="1" i="1">
+                        <a:solidFill>
+                          <a:schemeClr val="tx1"/>
+                        </a:solidFill>
+                        <a:latin typeface="Cambria Math" panose="02040503050406030204" pitchFamily="18" charset="0"/>
+                      </a:rPr>
+                      <m:t>𝒂</m:t>
+                    </m:r>
+                  </m:oMath>
+                </a14:m>
+                <a:r>
+                  <a:rPr lang="en-US" sz="2800" dirty="0">
+                    <a:solidFill>
+                      <a:schemeClr val="tx1"/>
+                    </a:solidFill>
+                  </a:rPr>
+                  <a:t> is each attribute value and </a:t>
+                </a:r>
+                <a14:m>
+                  <m:oMath xmlns:m="http://schemas.openxmlformats.org/officeDocument/2006/math">
+                    <m:sSub>
+                      <m:sSubPr>
+                        <m:ctrlPr>
+                          <a:rPr lang="en-US" sz="2800" b="1" i="1" smtClean="0">
+                            <a:solidFill>
+                              <a:schemeClr val="tx1"/>
+                            </a:solidFill>
+                            <a:latin typeface="Cambria Math" panose="02040503050406030204" pitchFamily="18" charset="0"/>
+                          </a:rPr>
+                        </m:ctrlPr>
+                      </m:sSubPr>
+                      <m:e>
+                        <m:r>
+                          <a:rPr lang="en-US" sz="2800" b="1" i="1">
+                            <a:solidFill>
+                              <a:schemeClr val="tx1"/>
+                            </a:solidFill>
+                            <a:latin typeface="Cambria Math" panose="02040503050406030204" pitchFamily="18" charset="0"/>
+                          </a:rPr>
+                          <m:t>𝒘</m:t>
+                        </m:r>
+                      </m:e>
+                      <m:sub>
+                        <m:r>
+                          <a:rPr lang="en-US" sz="2800" b="1" i="1">
+                            <a:solidFill>
+                              <a:schemeClr val="tx1"/>
+                            </a:solidFill>
+                            <a:latin typeface="Cambria Math" panose="02040503050406030204" pitchFamily="18" charset="0"/>
+                          </a:rPr>
+                          <m:t>𝒂</m:t>
+                        </m:r>
+                      </m:sub>
+                    </m:sSub>
+                  </m:oMath>
+                </a14:m>
+                <a:r>
+                  <a:rPr lang="en-US" sz="2800" dirty="0">
+                    <a:solidFill>
+                      <a:schemeClr val="tx1"/>
+                    </a:solidFill>
+                  </a:rPr>
+                  <a:t> is the weight for that attribute (all </a:t>
+                </a:r>
+                <a:r>
+                  <a:rPr lang="en-US" sz="2800" dirty="0"/>
+                  <a:t>weights are equal here</a:t>
+                </a:r>
+                <a:r>
+                  <a:rPr lang="en-US" sz="2800" dirty="0">
+                    <a:solidFill>
+                      <a:schemeClr val="tx1"/>
+                    </a:solidFill>
+                  </a:rPr>
+                  <a:t>)</a:t>
+                </a:r>
+              </a:p>
+            </p:txBody>
+          </p:sp>
+        </mc:Choice>
+        <mc:Fallback>
+          <p:sp>
+            <p:nvSpPr>
+              <p:cNvPr id="55" name="TextBox 54">
+                <a:extLst>
+                  <a:ext uri="{FF2B5EF4-FFF2-40B4-BE49-F238E27FC236}">
+                    <a16:creationId xmlns:a16="http://schemas.microsoft.com/office/drawing/2014/main" id="{B000A393-EC68-666A-9200-2AD4120ECF6C}"/>
+                  </a:ext>
+                </a:extLst>
+              </p:cNvPr>
+              <p:cNvSpPr txBox="1">
+                <a:spLocks noRot="1" noChangeAspect="1" noMove="1" noResize="1" noEditPoints="1" noAdjustHandles="1" noChangeArrowheads="1" noChangeShapeType="1" noTextEdit="1"/>
+              </p:cNvSpPr>
+              <p:nvPr/>
+            </p:nvSpPr>
+            <p:spPr>
+              <a:xfrm>
+                <a:off x="16319913" y="17623136"/>
+                <a:ext cx="5147338" cy="3977240"/>
+              </a:xfrm>
+              <a:prstGeom prst="rect">
+                <a:avLst/>
+              </a:prstGeom>
+              <a:blipFill>
+                <a:blip r:embed="rId12"/>
+                <a:stretch>
+                  <a:fillRect l="-2457" t="-1592" r="-1720" b="-4140"/>
+                </a:stretch>
+              </a:blipFill>
+            </p:spPr>
+            <p:txBody>
+              <a:bodyPr/>
+              <a:lstStyle/>
+              <a:p>
+                <a:r>
+                  <a:rPr lang="en-US">
+                    <a:noFill/>
+                  </a:rPr>
+                  <a:t> </a:t>
+                </a:r>
+              </a:p>
+            </p:txBody>
+          </p:sp>
+        </mc:Fallback>
+      </mc:AlternateContent>
+      <p:sp>
+        <p:nvSpPr>
+          <p:cNvPr id="57" name="TextBox 56">
+            <a:extLst>
+              <a:ext uri="{FF2B5EF4-FFF2-40B4-BE49-F238E27FC236}">
+                <a16:creationId xmlns:a16="http://schemas.microsoft.com/office/drawing/2014/main" id="{84DB1B67-2DE7-E528-AD20-62DE299D2245}"/>
+              </a:ext>
+            </a:extLst>
+          </p:cNvPr>
+          <p:cNvSpPr txBox="1"/>
+          <p:nvPr/>
+        </p:nvSpPr>
+        <p:spPr>
+          <a:xfrm>
+            <a:off x="27826222" y="4190185"/>
+            <a:ext cx="1407240" cy="461665"/>
+          </a:xfrm>
+          <a:prstGeom prst="rect">
+            <a:avLst/>
+          </a:prstGeom>
+          <a:noFill/>
+        </p:spPr>
+        <p:txBody>
+          <a:bodyPr wrap="square" rtlCol="0">
+            <a:spAutoFit/>
+          </a:bodyPr>
+          <a:lstStyle/>
+          <a:p>
+            <a:r>
+              <a:rPr lang="en-US" sz="2400" dirty="0" err="1"/>
+              <a:t>bentley</a:t>
+            </a:r>
+            <a:endParaRPr lang="en-US" sz="2400" dirty="0"/>
+          </a:p>
+        </p:txBody>
+      </p:sp>
+      <p:sp>
+        <p:nvSpPr>
+          <p:cNvPr id="59" name="TextBox 58">
+            <a:extLst>
+              <a:ext uri="{FF2B5EF4-FFF2-40B4-BE49-F238E27FC236}">
+                <a16:creationId xmlns:a16="http://schemas.microsoft.com/office/drawing/2014/main" id="{72817E58-BE71-1D3D-5A3C-B1CC07ADF50C}"/>
+              </a:ext>
+            </a:extLst>
+          </p:cNvPr>
+          <p:cNvSpPr txBox="1"/>
+          <p:nvPr/>
+        </p:nvSpPr>
+        <p:spPr>
+          <a:xfrm>
+            <a:off x="29143196" y="4497427"/>
+            <a:ext cx="1407240" cy="461665"/>
+          </a:xfrm>
+          <a:prstGeom prst="rect">
+            <a:avLst/>
+          </a:prstGeom>
+          <a:noFill/>
+        </p:spPr>
+        <p:txBody>
+          <a:bodyPr wrap="square" rtlCol="0">
+            <a:spAutoFit/>
+          </a:bodyPr>
+          <a:lstStyle/>
+          <a:p>
+            <a:r>
+              <a:rPr lang="en-US" sz="2400" dirty="0" err="1"/>
+              <a:t>buza</a:t>
+            </a:r>
+            <a:endParaRPr lang="en-US" sz="2400" dirty="0"/>
+          </a:p>
+        </p:txBody>
+      </p:sp>
+      <p:sp>
+        <p:nvSpPr>
+          <p:cNvPr id="60" name="TextBox 59">
+            <a:extLst>
+              <a:ext uri="{FF2B5EF4-FFF2-40B4-BE49-F238E27FC236}">
+                <a16:creationId xmlns:a16="http://schemas.microsoft.com/office/drawing/2014/main" id="{0870DA22-8551-BDC3-86A2-A7DFB15D7160}"/>
+              </a:ext>
+            </a:extLst>
+          </p:cNvPr>
+          <p:cNvSpPr txBox="1"/>
+          <p:nvPr/>
+        </p:nvSpPr>
+        <p:spPr>
+          <a:xfrm>
+            <a:off x="30491703" y="4401106"/>
+            <a:ext cx="1407240" cy="461665"/>
+          </a:xfrm>
+          <a:prstGeom prst="rect">
+            <a:avLst/>
+          </a:prstGeom>
+          <a:noFill/>
+        </p:spPr>
+        <p:txBody>
+          <a:bodyPr wrap="square" rtlCol="0">
+            <a:spAutoFit/>
+          </a:bodyPr>
+          <a:lstStyle/>
+          <a:p>
+            <a:r>
+              <a:rPr lang="en-US" sz="2400" dirty="0"/>
+              <a:t>mango</a:t>
+            </a:r>
+          </a:p>
+        </p:txBody>
+      </p:sp>
+      <p:sp>
+        <p:nvSpPr>
+          <p:cNvPr id="70" name="Pentagon 69">
+            <a:extLst>
+              <a:ext uri="{FF2B5EF4-FFF2-40B4-BE49-F238E27FC236}">
+                <a16:creationId xmlns:a16="http://schemas.microsoft.com/office/drawing/2014/main" id="{5A03389F-6089-8B31-C13A-6EA040E20C33}"/>
+              </a:ext>
+            </a:extLst>
+          </p:cNvPr>
+          <p:cNvSpPr/>
+          <p:nvPr/>
+        </p:nvSpPr>
+        <p:spPr>
+          <a:xfrm>
+            <a:off x="21873901" y="3788331"/>
+            <a:ext cx="5920788" cy="992499"/>
+          </a:xfrm>
+          <a:prstGeom prst="homePlate">
+            <a:avLst/>
+          </a:prstGeom>
+          <a:solidFill>
+            <a:schemeClr val="accent4">
+              <a:lumMod val="20000"/>
+              <a:lumOff val="80000"/>
+            </a:schemeClr>
+          </a:solidFill>
+          <a:ln>
+            <a:noFill/>
+          </a:ln>
+        </p:spPr>
+        <p:style>
+          <a:lnRef idx="1">
+            <a:schemeClr val="accent1"/>
+          </a:lnRef>
+          <a:fillRef idx="3">
+            <a:schemeClr val="accent1"/>
+          </a:fillRef>
+          <a:effectRef idx="2">
+            <a:schemeClr val="accent1"/>
+          </a:effectRef>
+          <a:fontRef idx="minor">
+            <a:schemeClr val="lt1"/>
+          </a:fontRef>
+        </p:style>
+        <p:txBody>
+          <a:bodyPr rtlCol="0" anchor="ctr"/>
+          <a:lstStyle/>
+          <a:p>
+            <a:r>
+              <a:rPr lang="en-US" sz="2400" b="1" dirty="0">
+                <a:solidFill>
+                  <a:schemeClr val="tx1"/>
+                </a:solidFill>
+              </a:rPr>
+              <a:t>Managers/Leaders </a:t>
+            </a:r>
+            <a:r>
+              <a:rPr lang="en-US" sz="2400" i="1" dirty="0">
+                <a:solidFill>
+                  <a:schemeClr val="tx1"/>
+                </a:solidFill>
+              </a:rPr>
+              <a:t>are highly connected to many nodes, as they oversee workflows</a:t>
+            </a:r>
+            <a:endParaRPr lang="en-US" sz="2400" b="1" dirty="0">
+              <a:solidFill>
+                <a:schemeClr val="tx1"/>
+              </a:solidFill>
+            </a:endParaRPr>
+          </a:p>
+        </p:txBody>
+      </p:sp>
+      <p:sp>
+        <p:nvSpPr>
+          <p:cNvPr id="71" name="Pentagon 70">
+            <a:extLst>
+              <a:ext uri="{FF2B5EF4-FFF2-40B4-BE49-F238E27FC236}">
+                <a16:creationId xmlns:a16="http://schemas.microsoft.com/office/drawing/2014/main" id="{1B7A6FA0-1B1F-33A0-D4B3-0859CA6E5959}"/>
+              </a:ext>
+            </a:extLst>
+          </p:cNvPr>
+          <p:cNvSpPr/>
+          <p:nvPr/>
+        </p:nvSpPr>
+        <p:spPr>
+          <a:xfrm>
+            <a:off x="21871334" y="4919563"/>
+            <a:ext cx="5954888" cy="1795387"/>
+          </a:xfrm>
+          <a:prstGeom prst="homePlate">
+            <a:avLst/>
+          </a:prstGeom>
+          <a:solidFill>
+            <a:schemeClr val="accent4">
+              <a:lumMod val="40000"/>
+              <a:lumOff val="60000"/>
+            </a:schemeClr>
+          </a:solidFill>
+          <a:ln>
+            <a:noFill/>
+          </a:ln>
+        </p:spPr>
+        <p:style>
+          <a:lnRef idx="1">
+            <a:schemeClr val="accent1"/>
+          </a:lnRef>
+          <a:fillRef idx="3">
+            <a:schemeClr val="accent1"/>
+          </a:fillRef>
+          <a:effectRef idx="2">
+            <a:schemeClr val="accent1"/>
+          </a:effectRef>
+          <a:fontRef idx="minor">
+            <a:schemeClr val="lt1"/>
+          </a:fontRef>
+        </p:style>
+        <p:txBody>
+          <a:bodyPr rtlCol="0" anchor="ctr"/>
+          <a:lstStyle/>
+          <a:p>
+            <a:r>
+              <a:rPr lang="en-US" sz="2400" b="1" dirty="0">
+                <a:solidFill>
+                  <a:schemeClr val="tx1"/>
+                </a:solidFill>
+              </a:rPr>
+              <a:t>Upper-Level Employees </a:t>
+            </a:r>
+            <a:r>
+              <a:rPr lang="en-US" sz="2400" i="1" dirty="0">
+                <a:solidFill>
+                  <a:schemeClr val="tx1"/>
+                </a:solidFill>
+              </a:rPr>
+              <a:t>have longer lifespans and established positions, ranging from software development to administrative roles</a:t>
+            </a:r>
+            <a:endParaRPr lang="en-US" sz="2400" b="1" dirty="0">
+              <a:solidFill>
+                <a:schemeClr val="tx1"/>
+              </a:solidFill>
+            </a:endParaRPr>
+          </a:p>
+        </p:txBody>
+      </p:sp>
+      <p:sp>
+        <p:nvSpPr>
+          <p:cNvPr id="72" name="Pentagon 71">
+            <a:extLst>
+              <a:ext uri="{FF2B5EF4-FFF2-40B4-BE49-F238E27FC236}">
+                <a16:creationId xmlns:a16="http://schemas.microsoft.com/office/drawing/2014/main" id="{1B302A17-CEF3-C7EA-D50F-F41C06D0B832}"/>
+              </a:ext>
+            </a:extLst>
+          </p:cNvPr>
+          <p:cNvSpPr/>
+          <p:nvPr/>
+        </p:nvSpPr>
+        <p:spPr>
+          <a:xfrm>
+            <a:off x="21871334" y="6835838"/>
+            <a:ext cx="5920788" cy="1776090"/>
+          </a:xfrm>
+          <a:prstGeom prst="homePlate">
+            <a:avLst/>
+          </a:prstGeom>
+          <a:solidFill>
+            <a:schemeClr val="accent4">
+              <a:lumMod val="60000"/>
+              <a:lumOff val="40000"/>
+            </a:schemeClr>
+          </a:solidFill>
+          <a:ln>
+            <a:noFill/>
+          </a:ln>
+        </p:spPr>
+        <p:style>
+          <a:lnRef idx="1">
+            <a:schemeClr val="accent1"/>
+          </a:lnRef>
+          <a:fillRef idx="3">
+            <a:schemeClr val="accent1"/>
+          </a:fillRef>
+          <a:effectRef idx="2">
+            <a:schemeClr val="accent1"/>
+          </a:effectRef>
+          <a:fontRef idx="minor">
+            <a:schemeClr val="lt1"/>
+          </a:fontRef>
+        </p:style>
+        <p:txBody>
+          <a:bodyPr rtlCol="0" anchor="ctr"/>
+          <a:lstStyle/>
+          <a:p>
+            <a:r>
+              <a:rPr lang="en-US" sz="2400" b="1" dirty="0">
+                <a:solidFill>
+                  <a:schemeClr val="tx1"/>
+                </a:solidFill>
+              </a:rPr>
+              <a:t>Lower-Level Employees </a:t>
+            </a:r>
+            <a:r>
+              <a:rPr lang="en-US" sz="2400" i="1" dirty="0">
+                <a:solidFill>
+                  <a:schemeClr val="tx1"/>
+                </a:solidFill>
+              </a:rPr>
+              <a:t>have high turnover rate and little connectivity to the rest of the graph, likely contractor positions</a:t>
+            </a:r>
+            <a:endParaRPr lang="en-US" sz="2400" dirty="0">
+              <a:solidFill>
+                <a:schemeClr val="tx1"/>
+              </a:solidFill>
+            </a:endParaRPr>
+          </a:p>
+        </p:txBody>
+      </p:sp>
     </p:spTree>
     <p:extLst>
       <p:ext uri="{BB962C8B-B14F-4D97-AF65-F5344CB8AC3E}">
